--- a/Day1/ex1-4_filters/ex1-4_filters.pptx
+++ b/Day1/ex1-4_filters/ex1-4_filters.pptx
@@ -5,26 +5,28 @@
     <p:sldMasterId id="2147483831" r:id="rId1"/>
   </p:sldMasterIdLst>
   <p:notesMasterIdLst>
-    <p:notesMasterId r:id="rId19"/>
+    <p:notesMasterId r:id="rId21"/>
   </p:notesMasterIdLst>
   <p:sldIdLst>
     <p:sldId id="256" r:id="rId2"/>
     <p:sldId id="257" r:id="rId3"/>
-    <p:sldId id="269" r:id="rId4"/>
-    <p:sldId id="265" r:id="rId5"/>
-    <p:sldId id="270" r:id="rId6"/>
-    <p:sldId id="271" r:id="rId7"/>
-    <p:sldId id="272" r:id="rId8"/>
+    <p:sldId id="265" r:id="rId4"/>
+    <p:sldId id="272" r:id="rId5"/>
+    <p:sldId id="287" r:id="rId6"/>
+    <p:sldId id="270" r:id="rId7"/>
+    <p:sldId id="286" r:id="rId8"/>
     <p:sldId id="273" r:id="rId9"/>
-    <p:sldId id="274" r:id="rId10"/>
-    <p:sldId id="275" r:id="rId11"/>
-    <p:sldId id="276" r:id="rId12"/>
-    <p:sldId id="277" r:id="rId13"/>
-    <p:sldId id="278" r:id="rId14"/>
-    <p:sldId id="280" r:id="rId15"/>
-    <p:sldId id="281" r:id="rId16"/>
-    <p:sldId id="282" r:id="rId17"/>
-    <p:sldId id="279" r:id="rId18"/>
+    <p:sldId id="288" r:id="rId10"/>
+    <p:sldId id="276" r:id="rId11"/>
+    <p:sldId id="275" r:id="rId12"/>
+    <p:sldId id="283" r:id="rId13"/>
+    <p:sldId id="284" r:id="rId14"/>
+    <p:sldId id="285" r:id="rId15"/>
+    <p:sldId id="277" r:id="rId16"/>
+    <p:sldId id="281" r:id="rId17"/>
+    <p:sldId id="282" r:id="rId18"/>
+    <p:sldId id="289" r:id="rId19"/>
+    <p:sldId id="279" r:id="rId20"/>
   </p:sldIdLst>
   <p:sldSz cx="9144000" cy="6858000" type="screen4x3"/>
   <p:notesSz cx="6858000" cy="9144000"/>
@@ -131,6 +133,748 @@
 </p:presentation>
 </file>
 
+<file path=ppt/revisionInfo.xml><?xml version="1.0" encoding="utf-8"?>
+<p1510:revInfo xmlns:a="http://schemas.openxmlformats.org/drawingml/2006/main" xmlns:r="http://schemas.openxmlformats.org/officeDocument/2006/relationships" xmlns:p1510="http://schemas.microsoft.com/office/powerpoint/2015/10/main">
+  <p1510:revLst>
+    <p1510:client id="{86BAD552-FBD3-4483-BF6A-086BC946112A}" v="20" dt="2022-09-14T10:00:55.934"/>
+  </p1510:revLst>
+</p1510:revInfo>
+</file>
+
+<file path=ppt/changesInfos/changesInfo1.xml><?xml version="1.0" encoding="utf-8"?>
+<pc:chgInfo xmlns:a="http://schemas.openxmlformats.org/drawingml/2006/main" xmlns:r="http://schemas.openxmlformats.org/officeDocument/2006/relationships" xmlns:ac="http://schemas.microsoft.com/office/drawing/2013/main/command" xmlns:pc="http://schemas.microsoft.com/office/powerpoint/2013/main/command">
+  <pc:docChgLst>
+    <pc:chgData name="이종은" userId="5cabcc43-02d4-48e1-8252-8be248ae0561" providerId="ADAL" clId="{86BAD552-FBD3-4483-BF6A-086BC946112A}"/>
+    <pc:docChg chg="undo custSel addSld delSld modSld sldOrd">
+      <pc:chgData name="이종은" userId="5cabcc43-02d4-48e1-8252-8be248ae0561" providerId="ADAL" clId="{86BAD552-FBD3-4483-BF6A-086BC946112A}" dt="2022-09-14T10:07:43.977" v="971" actId="1076"/>
+      <pc:docMkLst>
+        <pc:docMk/>
+      </pc:docMkLst>
+      <pc:sldChg chg="modSp mod">
+        <pc:chgData name="이종은" userId="5cabcc43-02d4-48e1-8252-8be248ae0561" providerId="ADAL" clId="{86BAD552-FBD3-4483-BF6A-086BC946112A}" dt="2022-09-14T08:45:32.927" v="595" actId="1035"/>
+        <pc:sldMkLst>
+          <pc:docMk/>
+          <pc:sldMk cId="780568939" sldId="265"/>
+        </pc:sldMkLst>
+        <pc:spChg chg="mod">
+          <ac:chgData name="이종은" userId="5cabcc43-02d4-48e1-8252-8be248ae0561" providerId="ADAL" clId="{86BAD552-FBD3-4483-BF6A-086BC946112A}" dt="2022-09-14T08:45:07.245" v="518" actId="404"/>
+          <ac:spMkLst>
+            <pc:docMk/>
+            <pc:sldMk cId="780568939" sldId="265"/>
+            <ac:spMk id="3" creationId="{25774E92-9B95-4123-B29D-F5E0D6956FCA}"/>
+          </ac:spMkLst>
+        </pc:spChg>
+        <pc:grpChg chg="mod">
+          <ac:chgData name="이종은" userId="5cabcc43-02d4-48e1-8252-8be248ae0561" providerId="ADAL" clId="{86BAD552-FBD3-4483-BF6A-086BC946112A}" dt="2022-09-14T08:45:32.927" v="595" actId="1035"/>
+          <ac:grpSpMkLst>
+            <pc:docMk/>
+            <pc:sldMk cId="780568939" sldId="265"/>
+            <ac:grpSpMk id="8" creationId="{18DF07D2-6231-4D72-87A2-35156F07063C}"/>
+          </ac:grpSpMkLst>
+        </pc:grpChg>
+        <pc:grpChg chg="mod">
+          <ac:chgData name="이종은" userId="5cabcc43-02d4-48e1-8252-8be248ae0561" providerId="ADAL" clId="{86BAD552-FBD3-4483-BF6A-086BC946112A}" dt="2022-09-14T08:45:28.317" v="589" actId="1035"/>
+          <ac:grpSpMkLst>
+            <pc:docMk/>
+            <pc:sldMk cId="780568939" sldId="265"/>
+            <ac:grpSpMk id="9" creationId="{5B4B90DB-9817-41E8-9BDA-48BDFE3C5847}"/>
+          </ac:grpSpMkLst>
+        </pc:grpChg>
+        <pc:grpChg chg="mod">
+          <ac:chgData name="이종은" userId="5cabcc43-02d4-48e1-8252-8be248ae0561" providerId="ADAL" clId="{86BAD552-FBD3-4483-BF6A-086BC946112A}" dt="2022-09-14T08:45:28.317" v="589" actId="1035"/>
+          <ac:grpSpMkLst>
+            <pc:docMk/>
+            <pc:sldMk cId="780568939" sldId="265"/>
+            <ac:grpSpMk id="10" creationId="{6E458BA1-A9DE-4CEA-8FA4-5839C3CF4FFA}"/>
+          </ac:grpSpMkLst>
+        </pc:grpChg>
+        <pc:grpChg chg="mod">
+          <ac:chgData name="이종은" userId="5cabcc43-02d4-48e1-8252-8be248ae0561" providerId="ADAL" clId="{86BAD552-FBD3-4483-BF6A-086BC946112A}" dt="2022-09-14T08:45:32.927" v="595" actId="1035"/>
+          <ac:grpSpMkLst>
+            <pc:docMk/>
+            <pc:sldMk cId="780568939" sldId="265"/>
+            <ac:grpSpMk id="11" creationId="{93E24DB7-A943-4B3C-BB25-4EC9F972624D}"/>
+          </ac:grpSpMkLst>
+        </pc:grpChg>
+      </pc:sldChg>
+      <pc:sldChg chg="modSp del mod">
+        <pc:chgData name="이종은" userId="5cabcc43-02d4-48e1-8252-8be248ae0561" providerId="ADAL" clId="{86BAD552-FBD3-4483-BF6A-086BC946112A}" dt="2022-09-14T08:44:47.268" v="500" actId="47"/>
+        <pc:sldMkLst>
+          <pc:docMk/>
+          <pc:sldMk cId="2194961202" sldId="269"/>
+        </pc:sldMkLst>
+        <pc:picChg chg="mod">
+          <ac:chgData name="이종은" userId="5cabcc43-02d4-48e1-8252-8be248ae0561" providerId="ADAL" clId="{86BAD552-FBD3-4483-BF6A-086BC946112A}" dt="2022-09-14T08:44:11.133" v="499" actId="1076"/>
+          <ac:picMkLst>
+            <pc:docMk/>
+            <pc:sldMk cId="2194961202" sldId="269"/>
+            <ac:picMk id="4" creationId="{00000000-0000-0000-0000-000000000000}"/>
+          </ac:picMkLst>
+        </pc:picChg>
+      </pc:sldChg>
+      <pc:sldChg chg="addSp delSp modSp mod">
+        <pc:chgData name="이종은" userId="5cabcc43-02d4-48e1-8252-8be248ae0561" providerId="ADAL" clId="{86BAD552-FBD3-4483-BF6A-086BC946112A}" dt="2022-09-14T08:59:32.797" v="625" actId="1076"/>
+        <pc:sldMkLst>
+          <pc:docMk/>
+          <pc:sldMk cId="2297249304" sldId="270"/>
+        </pc:sldMkLst>
+        <pc:spChg chg="mod">
+          <ac:chgData name="이종은" userId="5cabcc43-02d4-48e1-8252-8be248ae0561" providerId="ADAL" clId="{86BAD552-FBD3-4483-BF6A-086BC946112A}" dt="2022-09-14T08:45:46.770" v="597"/>
+          <ac:spMkLst>
+            <pc:docMk/>
+            <pc:sldMk cId="2297249304" sldId="270"/>
+            <ac:spMk id="3" creationId="{00000000-0000-0000-0000-000000000000}"/>
+          </ac:spMkLst>
+        </pc:spChg>
+        <pc:picChg chg="del mod">
+          <ac:chgData name="이종은" userId="5cabcc43-02d4-48e1-8252-8be248ae0561" providerId="ADAL" clId="{86BAD552-FBD3-4483-BF6A-086BC946112A}" dt="2022-09-14T08:56:51.703" v="599" actId="478"/>
+          <ac:picMkLst>
+            <pc:docMk/>
+            <pc:sldMk cId="2297249304" sldId="270"/>
+            <ac:picMk id="4" creationId="{00000000-0000-0000-0000-000000000000}"/>
+          </ac:picMkLst>
+        </pc:picChg>
+        <pc:picChg chg="add del mod">
+          <ac:chgData name="이종은" userId="5cabcc43-02d4-48e1-8252-8be248ae0561" providerId="ADAL" clId="{86BAD552-FBD3-4483-BF6A-086BC946112A}" dt="2022-09-14T08:56:56.290" v="605" actId="22"/>
+          <ac:picMkLst>
+            <pc:docMk/>
+            <pc:sldMk cId="2297249304" sldId="270"/>
+            <ac:picMk id="6" creationId="{ED35F5A6-A03A-1DC2-654B-50430AA952DD}"/>
+          </ac:picMkLst>
+        </pc:picChg>
+        <pc:picChg chg="add del mod">
+          <ac:chgData name="이종은" userId="5cabcc43-02d4-48e1-8252-8be248ae0561" providerId="ADAL" clId="{86BAD552-FBD3-4483-BF6A-086BC946112A}" dt="2022-09-14T08:59:27.556" v="621" actId="478"/>
+          <ac:picMkLst>
+            <pc:docMk/>
+            <pc:sldMk cId="2297249304" sldId="270"/>
+            <ac:picMk id="8" creationId="{35447E91-081A-828E-04F7-547BC7228B67}"/>
+          </ac:picMkLst>
+        </pc:picChg>
+        <pc:picChg chg="add mod">
+          <ac:chgData name="이종은" userId="5cabcc43-02d4-48e1-8252-8be248ae0561" providerId="ADAL" clId="{86BAD552-FBD3-4483-BF6A-086BC946112A}" dt="2022-09-14T08:59:32.797" v="625" actId="1076"/>
+          <ac:picMkLst>
+            <pc:docMk/>
+            <pc:sldMk cId="2297249304" sldId="270"/>
+            <ac:picMk id="10" creationId="{2975FB9C-F4CB-C6EE-3039-F8FE1AA6AB6D}"/>
+          </ac:picMkLst>
+        </pc:picChg>
+      </pc:sldChg>
+      <pc:sldChg chg="del">
+        <pc:chgData name="이종은" userId="5cabcc43-02d4-48e1-8252-8be248ae0561" providerId="ADAL" clId="{86BAD552-FBD3-4483-BF6A-086BC946112A}" dt="2022-09-14T08:58:04.082" v="610" actId="47"/>
+        <pc:sldMkLst>
+          <pc:docMk/>
+          <pc:sldMk cId="2331633807" sldId="271"/>
+        </pc:sldMkLst>
+      </pc:sldChg>
+      <pc:sldChg chg="addSp delSp modSp mod ord">
+        <pc:chgData name="이종은" userId="5cabcc43-02d4-48e1-8252-8be248ae0561" providerId="ADAL" clId="{86BAD552-FBD3-4483-BF6A-086BC946112A}" dt="2022-09-14T09:01:01.620" v="652" actId="1076"/>
+        <pc:sldMkLst>
+          <pc:docMk/>
+          <pc:sldMk cId="266104008" sldId="272"/>
+        </pc:sldMkLst>
+        <pc:spChg chg="mod">
+          <ac:chgData name="이종은" userId="5cabcc43-02d4-48e1-8252-8be248ae0561" providerId="ADAL" clId="{86BAD552-FBD3-4483-BF6A-086BC946112A}" dt="2022-09-14T08:59:43.377" v="632" actId="20577"/>
+          <ac:spMkLst>
+            <pc:docMk/>
+            <pc:sldMk cId="266104008" sldId="272"/>
+            <ac:spMk id="3" creationId="{00000000-0000-0000-0000-000000000000}"/>
+          </ac:spMkLst>
+        </pc:spChg>
+        <pc:picChg chg="del mod">
+          <ac:chgData name="이종은" userId="5cabcc43-02d4-48e1-8252-8be248ae0561" providerId="ADAL" clId="{86BAD552-FBD3-4483-BF6A-086BC946112A}" dt="2022-09-14T08:58:47.095" v="615" actId="478"/>
+          <ac:picMkLst>
+            <pc:docMk/>
+            <pc:sldMk cId="266104008" sldId="272"/>
+            <ac:picMk id="4" creationId="{00000000-0000-0000-0000-000000000000}"/>
+          </ac:picMkLst>
+        </pc:picChg>
+        <pc:picChg chg="del mod">
+          <ac:chgData name="이종은" userId="5cabcc43-02d4-48e1-8252-8be248ae0561" providerId="ADAL" clId="{86BAD552-FBD3-4483-BF6A-086BC946112A}" dt="2022-09-14T08:59:40.809" v="627" actId="478"/>
+          <ac:picMkLst>
+            <pc:docMk/>
+            <pc:sldMk cId="266104008" sldId="272"/>
+            <ac:picMk id="6" creationId="{00000000-0000-0000-0000-000000000000}"/>
+          </ac:picMkLst>
+        </pc:picChg>
+        <pc:picChg chg="add mod">
+          <ac:chgData name="이종은" userId="5cabcc43-02d4-48e1-8252-8be248ae0561" providerId="ADAL" clId="{86BAD552-FBD3-4483-BF6A-086BC946112A}" dt="2022-09-14T09:01:01.620" v="652" actId="1076"/>
+          <ac:picMkLst>
+            <pc:docMk/>
+            <pc:sldMk cId="266104008" sldId="272"/>
+            <ac:picMk id="7" creationId="{E67C5D99-838E-3BA0-D8C6-CCF2B0D509A8}"/>
+          </ac:picMkLst>
+        </pc:picChg>
+      </pc:sldChg>
+      <pc:sldChg chg="addSp delSp modSp mod">
+        <pc:chgData name="이종은" userId="5cabcc43-02d4-48e1-8252-8be248ae0561" providerId="ADAL" clId="{86BAD552-FBD3-4483-BF6A-086BC946112A}" dt="2022-09-14T09:41:11.888" v="683" actId="1076"/>
+        <pc:sldMkLst>
+          <pc:docMk/>
+          <pc:sldMk cId="2605652168" sldId="273"/>
+        </pc:sldMkLst>
+        <pc:spChg chg="mod">
+          <ac:chgData name="이종은" userId="5cabcc43-02d4-48e1-8252-8be248ae0561" providerId="ADAL" clId="{86BAD552-FBD3-4483-BF6A-086BC946112A}" dt="2022-09-14T09:39:06.323" v="657" actId="20577"/>
+          <ac:spMkLst>
+            <pc:docMk/>
+            <pc:sldMk cId="2605652168" sldId="273"/>
+            <ac:spMk id="3" creationId="{00000000-0000-0000-0000-000000000000}"/>
+          </ac:spMkLst>
+        </pc:spChg>
+        <pc:picChg chg="del">
+          <ac:chgData name="이종은" userId="5cabcc43-02d4-48e1-8252-8be248ae0561" providerId="ADAL" clId="{86BAD552-FBD3-4483-BF6A-086BC946112A}" dt="2022-09-14T09:39:46.557" v="659" actId="478"/>
+          <ac:picMkLst>
+            <pc:docMk/>
+            <pc:sldMk cId="2605652168" sldId="273"/>
+            <ac:picMk id="5" creationId="{00000000-0000-0000-0000-000000000000}"/>
+          </ac:picMkLst>
+        </pc:picChg>
+        <pc:picChg chg="add del mod modCrop">
+          <ac:chgData name="이종은" userId="5cabcc43-02d4-48e1-8252-8be248ae0561" providerId="ADAL" clId="{86BAD552-FBD3-4483-BF6A-086BC946112A}" dt="2022-09-14T09:40:49.829" v="680" actId="478"/>
+          <ac:picMkLst>
+            <pc:docMk/>
+            <pc:sldMk cId="2605652168" sldId="273"/>
+            <ac:picMk id="6" creationId="{694A8F43-7A0A-3B6B-A9B9-807CB896689B}"/>
+          </ac:picMkLst>
+        </pc:picChg>
+        <pc:picChg chg="add mod">
+          <ac:chgData name="이종은" userId="5cabcc43-02d4-48e1-8252-8be248ae0561" providerId="ADAL" clId="{86BAD552-FBD3-4483-BF6A-086BC946112A}" dt="2022-09-14T09:41:11.888" v="683" actId="1076"/>
+          <ac:picMkLst>
+            <pc:docMk/>
+            <pc:sldMk cId="2605652168" sldId="273"/>
+            <ac:picMk id="8" creationId="{C4E8BCE0-3B24-3D88-8014-28B7181AA2CA}"/>
+          </ac:picMkLst>
+        </pc:picChg>
+      </pc:sldChg>
+      <pc:sldChg chg="del">
+        <pc:chgData name="이종은" userId="5cabcc43-02d4-48e1-8252-8be248ae0561" providerId="ADAL" clId="{86BAD552-FBD3-4483-BF6A-086BC946112A}" dt="2022-09-14T09:41:18.429" v="684" actId="47"/>
+        <pc:sldMkLst>
+          <pc:docMk/>
+          <pc:sldMk cId="1913928944" sldId="274"/>
+        </pc:sldMkLst>
+      </pc:sldChg>
+      <pc:sldChg chg="addSp delSp modSp mod">
+        <pc:chgData name="이종은" userId="5cabcc43-02d4-48e1-8252-8be248ae0561" providerId="ADAL" clId="{86BAD552-FBD3-4483-BF6A-086BC946112A}" dt="2022-09-14T09:42:26.815" v="692" actId="1076"/>
+        <pc:sldMkLst>
+          <pc:docMk/>
+          <pc:sldMk cId="3983943553" sldId="275"/>
+        </pc:sldMkLst>
+        <pc:spChg chg="mod">
+          <ac:chgData name="이종은" userId="5cabcc43-02d4-48e1-8252-8be248ae0561" providerId="ADAL" clId="{86BAD552-FBD3-4483-BF6A-086BC946112A}" dt="2022-09-14T09:41:27.859" v="688"/>
+          <ac:spMkLst>
+            <pc:docMk/>
+            <pc:sldMk cId="3983943553" sldId="275"/>
+            <ac:spMk id="3" creationId="{00000000-0000-0000-0000-000000000000}"/>
+          </ac:spMkLst>
+        </pc:spChg>
+        <pc:picChg chg="add mod">
+          <ac:chgData name="이종은" userId="5cabcc43-02d4-48e1-8252-8be248ae0561" providerId="ADAL" clId="{86BAD552-FBD3-4483-BF6A-086BC946112A}" dt="2022-09-14T09:42:26.815" v="692" actId="1076"/>
+          <ac:picMkLst>
+            <pc:docMk/>
+            <pc:sldMk cId="3983943553" sldId="275"/>
+            <ac:picMk id="5" creationId="{6316FAE8-D2BD-551F-8F79-B15AFEBBD4BD}"/>
+          </ac:picMkLst>
+        </pc:picChg>
+        <pc:picChg chg="del">
+          <ac:chgData name="이종은" userId="5cabcc43-02d4-48e1-8252-8be248ae0561" providerId="ADAL" clId="{86BAD552-FBD3-4483-BF6A-086BC946112A}" dt="2022-09-14T09:42:24.766" v="690" actId="478"/>
+          <ac:picMkLst>
+            <pc:docMk/>
+            <pc:sldMk cId="3983943553" sldId="275"/>
+            <ac:picMk id="6" creationId="{00000000-0000-0000-0000-000000000000}"/>
+          </ac:picMkLst>
+        </pc:picChg>
+      </pc:sldChg>
+      <pc:sldChg chg="addSp delSp modSp mod ord">
+        <pc:chgData name="이종은" userId="5cabcc43-02d4-48e1-8252-8be248ae0561" providerId="ADAL" clId="{86BAD552-FBD3-4483-BF6A-086BC946112A}" dt="2022-09-14T09:42:42.778" v="695" actId="1076"/>
+        <pc:sldMkLst>
+          <pc:docMk/>
+          <pc:sldMk cId="67468113" sldId="276"/>
+        </pc:sldMkLst>
+        <pc:spChg chg="add mod">
+          <ac:chgData name="이종은" userId="5cabcc43-02d4-48e1-8252-8be248ae0561" providerId="ADAL" clId="{86BAD552-FBD3-4483-BF6A-086BC946112A}" dt="2022-09-14T09:41:30.016" v="689"/>
+          <ac:spMkLst>
+            <pc:docMk/>
+            <pc:sldMk cId="67468113" sldId="276"/>
+            <ac:spMk id="3" creationId="{4639AE76-19C0-A87E-860B-0ECE7B65D27B}"/>
+          </ac:spMkLst>
+        </pc:spChg>
+        <pc:picChg chg="del">
+          <ac:chgData name="이종은" userId="5cabcc43-02d4-48e1-8252-8be248ae0561" providerId="ADAL" clId="{86BAD552-FBD3-4483-BF6A-086BC946112A}" dt="2022-09-14T09:42:40.470" v="693" actId="478"/>
+          <ac:picMkLst>
+            <pc:docMk/>
+            <pc:sldMk cId="67468113" sldId="276"/>
+            <ac:picMk id="4" creationId="{00000000-0000-0000-0000-000000000000}"/>
+          </ac:picMkLst>
+        </pc:picChg>
+        <pc:picChg chg="add mod">
+          <ac:chgData name="이종은" userId="5cabcc43-02d4-48e1-8252-8be248ae0561" providerId="ADAL" clId="{86BAD552-FBD3-4483-BF6A-086BC946112A}" dt="2022-09-14T09:42:42.778" v="695" actId="1076"/>
+          <ac:picMkLst>
+            <pc:docMk/>
+            <pc:sldMk cId="67468113" sldId="276"/>
+            <ac:picMk id="6" creationId="{FC0CC528-AE8E-565D-59F3-86FC48F6CE08}"/>
+          </ac:picMkLst>
+        </pc:picChg>
+      </pc:sldChg>
+      <pc:sldChg chg="addSp delSp modSp mod">
+        <pc:chgData name="이종은" userId="5cabcc43-02d4-48e1-8252-8be248ae0561" providerId="ADAL" clId="{86BAD552-FBD3-4483-BF6A-086BC946112A}" dt="2022-09-14T09:50:10.557" v="854" actId="20577"/>
+        <pc:sldMkLst>
+          <pc:docMk/>
+          <pc:sldMk cId="1534489147" sldId="277"/>
+        </pc:sldMkLst>
+        <pc:spChg chg="mod">
+          <ac:chgData name="이종은" userId="5cabcc43-02d4-48e1-8252-8be248ae0561" providerId="ADAL" clId="{86BAD552-FBD3-4483-BF6A-086BC946112A}" dt="2022-09-14T09:50:10.557" v="854" actId="20577"/>
+          <ac:spMkLst>
+            <pc:docMk/>
+            <pc:sldMk cId="1534489147" sldId="277"/>
+            <ac:spMk id="3" creationId="{00000000-0000-0000-0000-000000000000}"/>
+          </ac:spMkLst>
+        </pc:spChg>
+        <pc:picChg chg="del">
+          <ac:chgData name="이종은" userId="5cabcc43-02d4-48e1-8252-8be248ae0561" providerId="ADAL" clId="{86BAD552-FBD3-4483-BF6A-086BC946112A}" dt="2022-09-14T09:49:05.343" v="758" actId="478"/>
+          <ac:picMkLst>
+            <pc:docMk/>
+            <pc:sldMk cId="1534489147" sldId="277"/>
+            <ac:picMk id="5" creationId="{00000000-0000-0000-0000-000000000000}"/>
+          </ac:picMkLst>
+        </pc:picChg>
+        <pc:picChg chg="add mod">
+          <ac:chgData name="이종은" userId="5cabcc43-02d4-48e1-8252-8be248ae0561" providerId="ADAL" clId="{86BAD552-FBD3-4483-BF6A-086BC946112A}" dt="2022-09-14T09:49:57.652" v="804" actId="1076"/>
+          <ac:picMkLst>
+            <pc:docMk/>
+            <pc:sldMk cId="1534489147" sldId="277"/>
+            <ac:picMk id="6" creationId="{CD452458-4608-4A7B-AFD3-0EF9799017AD}"/>
+          </ac:picMkLst>
+        </pc:picChg>
+      </pc:sldChg>
+      <pc:sldChg chg="del">
+        <pc:chgData name="이종은" userId="5cabcc43-02d4-48e1-8252-8be248ae0561" providerId="ADAL" clId="{86BAD552-FBD3-4483-BF6A-086BC946112A}" dt="2022-09-14T09:47:40.128" v="756" actId="47"/>
+        <pc:sldMkLst>
+          <pc:docMk/>
+          <pc:sldMk cId="963601659" sldId="278"/>
+        </pc:sldMkLst>
+      </pc:sldChg>
+      <pc:sldChg chg="addSp delSp modSp mod">
+        <pc:chgData name="이종은" userId="5cabcc43-02d4-48e1-8252-8be248ae0561" providerId="ADAL" clId="{86BAD552-FBD3-4483-BF6A-086BC946112A}" dt="2022-09-14T10:06:31.847" v="963" actId="1035"/>
+        <pc:sldMkLst>
+          <pc:docMk/>
+          <pc:sldMk cId="1405583209" sldId="279"/>
+        </pc:sldMkLst>
+        <pc:spChg chg="mod">
+          <ac:chgData name="이종은" userId="5cabcc43-02d4-48e1-8252-8be248ae0561" providerId="ADAL" clId="{86BAD552-FBD3-4483-BF6A-086BC946112A}" dt="2022-09-14T09:57:35.030" v="890" actId="20577"/>
+          <ac:spMkLst>
+            <pc:docMk/>
+            <pc:sldMk cId="1405583209" sldId="279"/>
+            <ac:spMk id="2" creationId="{00000000-0000-0000-0000-000000000000}"/>
+          </ac:spMkLst>
+        </pc:spChg>
+        <pc:picChg chg="add del mod">
+          <ac:chgData name="이종은" userId="5cabcc43-02d4-48e1-8252-8be248ae0561" providerId="ADAL" clId="{86BAD552-FBD3-4483-BF6A-086BC946112A}" dt="2022-09-14T10:06:24.569" v="959" actId="478"/>
+          <ac:picMkLst>
+            <pc:docMk/>
+            <pc:sldMk cId="1405583209" sldId="279"/>
+            <ac:picMk id="4" creationId="{3811CDDD-D734-DCDE-4841-090F81C9A79C}"/>
+          </ac:picMkLst>
+        </pc:picChg>
+        <pc:picChg chg="del">
+          <ac:chgData name="이종은" userId="5cabcc43-02d4-48e1-8252-8be248ae0561" providerId="ADAL" clId="{86BAD552-FBD3-4483-BF6A-086BC946112A}" dt="2022-09-14T09:56:47.324" v="855" actId="478"/>
+          <ac:picMkLst>
+            <pc:docMk/>
+            <pc:sldMk cId="1405583209" sldId="279"/>
+            <ac:picMk id="6" creationId="{00000000-0000-0000-0000-000000000000}"/>
+          </ac:picMkLst>
+        </pc:picChg>
+        <pc:picChg chg="add mod">
+          <ac:chgData name="이종은" userId="5cabcc43-02d4-48e1-8252-8be248ae0561" providerId="ADAL" clId="{86BAD552-FBD3-4483-BF6A-086BC946112A}" dt="2022-09-14T10:06:31.847" v="963" actId="1035"/>
+          <ac:picMkLst>
+            <pc:docMk/>
+            <pc:sldMk cId="1405583209" sldId="279"/>
+            <ac:picMk id="7" creationId="{52AE9DB5-E85C-553B-8109-42D5132FBA0D}"/>
+          </ac:picMkLst>
+        </pc:picChg>
+      </pc:sldChg>
+      <pc:sldChg chg="del">
+        <pc:chgData name="이종은" userId="5cabcc43-02d4-48e1-8252-8be248ae0561" providerId="ADAL" clId="{86BAD552-FBD3-4483-BF6A-086BC946112A}" dt="2022-09-14T09:47:43.712" v="757" actId="47"/>
+        <pc:sldMkLst>
+          <pc:docMk/>
+          <pc:sldMk cId="1827535974" sldId="280"/>
+        </pc:sldMkLst>
+      </pc:sldChg>
+      <pc:sldChg chg="addSp delSp modSp mod">
+        <pc:chgData name="이종은" userId="5cabcc43-02d4-48e1-8252-8be248ae0561" providerId="ADAL" clId="{86BAD552-FBD3-4483-BF6A-086BC946112A}" dt="2022-09-14T10:07:43.977" v="971" actId="1076"/>
+        <pc:sldMkLst>
+          <pc:docMk/>
+          <pc:sldMk cId="2360934232" sldId="281"/>
+        </pc:sldMkLst>
+        <pc:spChg chg="mod">
+          <ac:chgData name="이종은" userId="5cabcc43-02d4-48e1-8252-8be248ae0561" providerId="ADAL" clId="{86BAD552-FBD3-4483-BF6A-086BC946112A}" dt="2022-09-14T09:58:04.714" v="898" actId="20577"/>
+          <ac:spMkLst>
+            <pc:docMk/>
+            <pc:sldMk cId="2360934232" sldId="281"/>
+            <ac:spMk id="2" creationId="{00000000-0000-0000-0000-000000000000}"/>
+          </ac:spMkLst>
+        </pc:spChg>
+        <pc:spChg chg="del mod">
+          <ac:chgData name="이종은" userId="5cabcc43-02d4-48e1-8252-8be248ae0561" providerId="ADAL" clId="{86BAD552-FBD3-4483-BF6A-086BC946112A}" dt="2022-09-14T09:58:28.835" v="901" actId="478"/>
+          <ac:spMkLst>
+            <pc:docMk/>
+            <pc:sldMk cId="2360934232" sldId="281"/>
+            <ac:spMk id="3" creationId="{00000000-0000-0000-0000-000000000000}"/>
+          </ac:spMkLst>
+        </pc:spChg>
+        <pc:spChg chg="add mod">
+          <ac:chgData name="이종은" userId="5cabcc43-02d4-48e1-8252-8be248ae0561" providerId="ADAL" clId="{86BAD552-FBD3-4483-BF6A-086BC946112A}" dt="2022-09-14T10:00:23.148" v="940" actId="20577"/>
+          <ac:spMkLst>
+            <pc:docMk/>
+            <pc:sldMk cId="2360934232" sldId="281"/>
+            <ac:spMk id="4" creationId="{404F90EA-9967-82B3-02D9-0D7BED98C5E9}"/>
+          </ac:spMkLst>
+        </pc:spChg>
+        <pc:picChg chg="del mod">
+          <ac:chgData name="이종은" userId="5cabcc43-02d4-48e1-8252-8be248ae0561" providerId="ADAL" clId="{86BAD552-FBD3-4483-BF6A-086BC946112A}" dt="2022-09-14T09:59:04.015" v="918" actId="478"/>
+          <ac:picMkLst>
+            <pc:docMk/>
+            <pc:sldMk cId="2360934232" sldId="281"/>
+            <ac:picMk id="5" creationId="{00000000-0000-0000-0000-000000000000}"/>
+          </ac:picMkLst>
+        </pc:picChg>
+        <pc:picChg chg="add del mod">
+          <ac:chgData name="이종은" userId="5cabcc43-02d4-48e1-8252-8be248ae0561" providerId="ADAL" clId="{86BAD552-FBD3-4483-BF6A-086BC946112A}" dt="2022-09-14T10:07:35.945" v="968" actId="478"/>
+          <ac:picMkLst>
+            <pc:docMk/>
+            <pc:sldMk cId="2360934232" sldId="281"/>
+            <ac:picMk id="7" creationId="{F43AB176-EDF0-A5CB-5C9D-A30B25976494}"/>
+          </ac:picMkLst>
+        </pc:picChg>
+        <pc:picChg chg="add mod">
+          <ac:chgData name="이종은" userId="5cabcc43-02d4-48e1-8252-8be248ae0561" providerId="ADAL" clId="{86BAD552-FBD3-4483-BF6A-086BC946112A}" dt="2022-09-14T10:07:43.977" v="971" actId="1076"/>
+          <ac:picMkLst>
+            <pc:docMk/>
+            <pc:sldMk cId="2360934232" sldId="281"/>
+            <ac:picMk id="9" creationId="{847E7470-65BF-F654-D4AD-F8AB5AEF9D66}"/>
+          </ac:picMkLst>
+        </pc:picChg>
+      </pc:sldChg>
+      <pc:sldChg chg="addSp delSp modSp mod">
+        <pc:chgData name="이종은" userId="5cabcc43-02d4-48e1-8252-8be248ae0561" providerId="ADAL" clId="{86BAD552-FBD3-4483-BF6A-086BC946112A}" dt="2022-09-14T10:00:51.318" v="951" actId="1076"/>
+        <pc:sldMkLst>
+          <pc:docMk/>
+          <pc:sldMk cId="222251816" sldId="282"/>
+        </pc:sldMkLst>
+        <pc:spChg chg="del">
+          <ac:chgData name="이종은" userId="5cabcc43-02d4-48e1-8252-8be248ae0561" providerId="ADAL" clId="{86BAD552-FBD3-4483-BF6A-086BC946112A}" dt="2022-09-14T09:57:06.070" v="870" actId="478"/>
+          <ac:spMkLst>
+            <pc:docMk/>
+            <pc:sldMk cId="222251816" sldId="282"/>
+            <ac:spMk id="2" creationId="{00000000-0000-0000-0000-000000000000}"/>
+          </ac:spMkLst>
+        </pc:spChg>
+        <pc:spChg chg="del mod">
+          <ac:chgData name="이종은" userId="5cabcc43-02d4-48e1-8252-8be248ae0561" providerId="ADAL" clId="{86BAD552-FBD3-4483-BF6A-086BC946112A}" dt="2022-09-14T10:00:38.869" v="948"/>
+          <ac:spMkLst>
+            <pc:docMk/>
+            <pc:sldMk cId="222251816" sldId="282"/>
+            <ac:spMk id="3" creationId="{00000000-0000-0000-0000-000000000000}"/>
+          </ac:spMkLst>
+        </pc:spChg>
+        <pc:spChg chg="add del mod">
+          <ac:chgData name="이종은" userId="5cabcc43-02d4-48e1-8252-8be248ae0561" providerId="ADAL" clId="{86BAD552-FBD3-4483-BF6A-086BC946112A}" dt="2022-09-14T09:57:08.085" v="876" actId="478"/>
+          <ac:spMkLst>
+            <pc:docMk/>
+            <pc:sldMk cId="222251816" sldId="282"/>
+            <ac:spMk id="5" creationId="{F9915B6B-A370-0801-F53E-D6AC586BC28A}"/>
+          </ac:spMkLst>
+        </pc:spChg>
+        <pc:spChg chg="add del mod">
+          <ac:chgData name="이종은" userId="5cabcc43-02d4-48e1-8252-8be248ae0561" providerId="ADAL" clId="{86BAD552-FBD3-4483-BF6A-086BC946112A}" dt="2022-09-14T09:57:07.116" v="875"/>
+          <ac:spMkLst>
+            <pc:docMk/>
+            <pc:sldMk cId="222251816" sldId="282"/>
+            <ac:spMk id="6" creationId="{2A485319-03B7-4A94-4907-B63309319E52}"/>
+          </ac:spMkLst>
+        </pc:spChg>
+        <pc:spChg chg="add mod">
+          <ac:chgData name="이종은" userId="5cabcc43-02d4-48e1-8252-8be248ae0561" providerId="ADAL" clId="{86BAD552-FBD3-4483-BF6A-086BC946112A}" dt="2022-09-14T09:57:08.392" v="877"/>
+          <ac:spMkLst>
+            <pc:docMk/>
+            <pc:sldMk cId="222251816" sldId="282"/>
+            <ac:spMk id="7" creationId="{F9532C74-8B97-D4A8-5BD8-98FE298BEAB1}"/>
+          </ac:spMkLst>
+        </pc:spChg>
+        <pc:spChg chg="add mod">
+          <ac:chgData name="이종은" userId="5cabcc43-02d4-48e1-8252-8be248ae0561" providerId="ADAL" clId="{86BAD552-FBD3-4483-BF6A-086BC946112A}" dt="2022-09-14T10:00:37.979" v="946" actId="20577"/>
+          <ac:spMkLst>
+            <pc:docMk/>
+            <pc:sldMk cId="222251816" sldId="282"/>
+            <ac:spMk id="8" creationId="{A8D2BCF4-DF86-CC4F-784B-47FC45D4BBF4}"/>
+          </ac:spMkLst>
+        </pc:spChg>
+        <pc:picChg chg="add mod">
+          <ac:chgData name="이종은" userId="5cabcc43-02d4-48e1-8252-8be248ae0561" providerId="ADAL" clId="{86BAD552-FBD3-4483-BF6A-086BC946112A}" dt="2022-09-14T10:00:51.318" v="951" actId="1076"/>
+          <ac:picMkLst>
+            <pc:docMk/>
+            <pc:sldMk cId="222251816" sldId="282"/>
+            <ac:picMk id="10" creationId="{3A3A97A4-8B2D-EB62-26AC-89506CC30601}"/>
+          </ac:picMkLst>
+        </pc:picChg>
+      </pc:sldChg>
+      <pc:sldChg chg="addSp delSp modSp add mod ord">
+        <pc:chgData name="이종은" userId="5cabcc43-02d4-48e1-8252-8be248ae0561" providerId="ADAL" clId="{86BAD552-FBD3-4483-BF6A-086BC946112A}" dt="2022-09-14T09:47:13.636" v="751" actId="20577"/>
+        <pc:sldMkLst>
+          <pc:docMk/>
+          <pc:sldMk cId="585380778" sldId="283"/>
+        </pc:sldMkLst>
+        <pc:spChg chg="del mod">
+          <ac:chgData name="이종은" userId="5cabcc43-02d4-48e1-8252-8be248ae0561" providerId="ADAL" clId="{86BAD552-FBD3-4483-BF6A-086BC946112A}" dt="2022-09-14T09:44:06.483" v="723"/>
+          <ac:spMkLst>
+            <pc:docMk/>
+            <pc:sldMk cId="585380778" sldId="283"/>
+            <ac:spMk id="3" creationId="{00000000-0000-0000-0000-000000000000}"/>
+          </ac:spMkLst>
+        </pc:spChg>
+        <pc:spChg chg="add mod ord">
+          <ac:chgData name="이종은" userId="5cabcc43-02d4-48e1-8252-8be248ae0561" providerId="ADAL" clId="{86BAD552-FBD3-4483-BF6A-086BC946112A}" dt="2022-09-14T09:47:13.636" v="751" actId="20577"/>
+          <ac:spMkLst>
+            <pc:docMk/>
+            <pc:sldMk cId="585380778" sldId="283"/>
+            <ac:spMk id="4" creationId="{BA9A9BB4-9621-1E44-76D3-AFFCEF0E269A}"/>
+          </ac:spMkLst>
+        </pc:spChg>
+        <pc:picChg chg="add mod">
+          <ac:chgData name="이종은" userId="5cabcc43-02d4-48e1-8252-8be248ae0561" providerId="ADAL" clId="{86BAD552-FBD3-4483-BF6A-086BC946112A}" dt="2022-09-14T09:44:21.538" v="726" actId="1076"/>
+          <ac:picMkLst>
+            <pc:docMk/>
+            <pc:sldMk cId="585380778" sldId="283"/>
+            <ac:picMk id="5" creationId="{C80C3097-0F64-6F85-5699-67D564A9FFE0}"/>
+          </ac:picMkLst>
+        </pc:picChg>
+        <pc:picChg chg="add mod">
+          <ac:chgData name="이종은" userId="5cabcc43-02d4-48e1-8252-8be248ae0561" providerId="ADAL" clId="{86BAD552-FBD3-4483-BF6A-086BC946112A}" dt="2022-09-14T09:44:25.346" v="727" actId="1076"/>
+          <ac:picMkLst>
+            <pc:docMk/>
+            <pc:sldMk cId="585380778" sldId="283"/>
+            <ac:picMk id="7" creationId="{F8B4F929-F548-CD90-D6F2-432F54D1912A}"/>
+          </ac:picMkLst>
+        </pc:picChg>
+      </pc:sldChg>
+      <pc:sldChg chg="addSp delSp modSp add mod">
+        <pc:chgData name="이종은" userId="5cabcc43-02d4-48e1-8252-8be248ae0561" providerId="ADAL" clId="{86BAD552-FBD3-4483-BF6A-086BC946112A}" dt="2022-09-14T09:47:16.191" v="752" actId="20577"/>
+        <pc:sldMkLst>
+          <pc:docMk/>
+          <pc:sldMk cId="2660187738" sldId="284"/>
+        </pc:sldMkLst>
+        <pc:spChg chg="del mod">
+          <ac:chgData name="이종은" userId="5cabcc43-02d4-48e1-8252-8be248ae0561" providerId="ADAL" clId="{86BAD552-FBD3-4483-BF6A-086BC946112A}" dt="2022-09-14T09:44:38.293" v="732" actId="478"/>
+          <ac:spMkLst>
+            <pc:docMk/>
+            <pc:sldMk cId="2660187738" sldId="284"/>
+            <ac:spMk id="3" creationId="{00000000-0000-0000-0000-000000000000}"/>
+          </ac:spMkLst>
+        </pc:spChg>
+        <pc:spChg chg="add mod">
+          <ac:chgData name="이종은" userId="5cabcc43-02d4-48e1-8252-8be248ae0561" providerId="ADAL" clId="{86BAD552-FBD3-4483-BF6A-086BC946112A}" dt="2022-09-14T09:47:16.191" v="752" actId="20577"/>
+          <ac:spMkLst>
+            <pc:docMk/>
+            <pc:sldMk cId="2660187738" sldId="284"/>
+            <ac:spMk id="4" creationId="{E8C785BC-C7B1-7E11-D493-6984F35B06C5}"/>
+          </ac:spMkLst>
+        </pc:spChg>
+        <pc:picChg chg="del">
+          <ac:chgData name="이종은" userId="5cabcc43-02d4-48e1-8252-8be248ae0561" providerId="ADAL" clId="{86BAD552-FBD3-4483-BF6A-086BC946112A}" dt="2022-09-14T06:37:02.262" v="459" actId="478"/>
+          <ac:picMkLst>
+            <pc:docMk/>
+            <pc:sldMk cId="2660187738" sldId="284"/>
+            <ac:picMk id="5" creationId="{C80C3097-0F64-6F85-5699-67D564A9FFE0}"/>
+          </ac:picMkLst>
+        </pc:picChg>
+        <pc:picChg chg="add del mod">
+          <ac:chgData name="이종은" userId="5cabcc43-02d4-48e1-8252-8be248ae0561" providerId="ADAL" clId="{86BAD552-FBD3-4483-BF6A-086BC946112A}" dt="2022-09-14T09:46:07.699" v="745" actId="478"/>
+          <ac:picMkLst>
+            <pc:docMk/>
+            <pc:sldMk cId="2660187738" sldId="284"/>
+            <ac:picMk id="6" creationId="{F9EA68A8-BEF0-63C0-761D-8977EDB5FEC4}"/>
+          </ac:picMkLst>
+        </pc:picChg>
+        <pc:picChg chg="add mod">
+          <ac:chgData name="이종은" userId="5cabcc43-02d4-48e1-8252-8be248ae0561" providerId="ADAL" clId="{86BAD552-FBD3-4483-BF6A-086BC946112A}" dt="2022-09-14T09:46:15.114" v="750" actId="1036"/>
+          <ac:picMkLst>
+            <pc:docMk/>
+            <pc:sldMk cId="2660187738" sldId="284"/>
+            <ac:picMk id="7" creationId="{965CDAE1-A4DA-20AA-58DC-725379063107}"/>
+          </ac:picMkLst>
+        </pc:picChg>
+        <pc:picChg chg="del">
+          <ac:chgData name="이종은" userId="5cabcc43-02d4-48e1-8252-8be248ae0561" providerId="ADAL" clId="{86BAD552-FBD3-4483-BF6A-086BC946112A}" dt="2022-09-14T06:37:01.865" v="458" actId="478"/>
+          <ac:picMkLst>
+            <pc:docMk/>
+            <pc:sldMk cId="2660187738" sldId="284"/>
+            <ac:picMk id="7" creationId="{F8B4F929-F548-CD90-D6F2-432F54D1912A}"/>
+          </ac:picMkLst>
+        </pc:picChg>
+      </pc:sldChg>
+      <pc:sldChg chg="addSp delSp modSp add mod">
+        <pc:chgData name="이종은" userId="5cabcc43-02d4-48e1-8252-8be248ae0561" providerId="ADAL" clId="{86BAD552-FBD3-4483-BF6A-086BC946112A}" dt="2022-09-14T09:47:18.531" v="753" actId="20577"/>
+        <pc:sldMkLst>
+          <pc:docMk/>
+          <pc:sldMk cId="3415763162" sldId="285"/>
+        </pc:sldMkLst>
+        <pc:spChg chg="del">
+          <ac:chgData name="이종은" userId="5cabcc43-02d4-48e1-8252-8be248ae0561" providerId="ADAL" clId="{86BAD552-FBD3-4483-BF6A-086BC946112A}" dt="2022-09-14T09:45:46.812" v="744" actId="478"/>
+          <ac:spMkLst>
+            <pc:docMk/>
+            <pc:sldMk cId="3415763162" sldId="285"/>
+            <ac:spMk id="3" creationId="{00000000-0000-0000-0000-000000000000}"/>
+          </ac:spMkLst>
+        </pc:spChg>
+        <pc:spChg chg="add mod">
+          <ac:chgData name="이종은" userId="5cabcc43-02d4-48e1-8252-8be248ae0561" providerId="ADAL" clId="{86BAD552-FBD3-4483-BF6A-086BC946112A}" dt="2022-09-14T09:47:18.531" v="753" actId="20577"/>
+          <ac:spMkLst>
+            <pc:docMk/>
+            <pc:sldMk cId="3415763162" sldId="285"/>
+            <ac:spMk id="7" creationId="{F0E76D71-3F11-809C-E8B0-D41AD9AEF96C}"/>
+          </ac:spMkLst>
+        </pc:spChg>
+        <pc:picChg chg="add del mod">
+          <ac:chgData name="이종은" userId="5cabcc43-02d4-48e1-8252-8be248ae0561" providerId="ADAL" clId="{86BAD552-FBD3-4483-BF6A-086BC946112A}" dt="2022-09-14T09:45:38.393" v="739" actId="478"/>
+          <ac:picMkLst>
+            <pc:docMk/>
+            <pc:sldMk cId="3415763162" sldId="285"/>
+            <ac:picMk id="5" creationId="{BB4FBEF0-C49C-F09D-E655-B27658DD7385}"/>
+          </ac:picMkLst>
+        </pc:picChg>
+        <pc:picChg chg="add mod">
+          <ac:chgData name="이종은" userId="5cabcc43-02d4-48e1-8252-8be248ae0561" providerId="ADAL" clId="{86BAD552-FBD3-4483-BF6A-086BC946112A}" dt="2022-09-14T09:45:42.245" v="742" actId="1076"/>
+          <ac:picMkLst>
+            <pc:docMk/>
+            <pc:sldMk cId="3415763162" sldId="285"/>
+            <ac:picMk id="6" creationId="{7D43E655-2D90-62CF-32BB-5CD8DBA3466B}"/>
+          </ac:picMkLst>
+        </pc:picChg>
+        <pc:picChg chg="del">
+          <ac:chgData name="이종은" userId="5cabcc43-02d4-48e1-8252-8be248ae0561" providerId="ADAL" clId="{86BAD552-FBD3-4483-BF6A-086BC946112A}" dt="2022-09-14T06:37:36.472" v="466" actId="478"/>
+          <ac:picMkLst>
+            <pc:docMk/>
+            <pc:sldMk cId="3415763162" sldId="285"/>
+            <ac:picMk id="6" creationId="{F9EA68A8-BEF0-63C0-761D-8977EDB5FEC4}"/>
+          </ac:picMkLst>
+        </pc:picChg>
+      </pc:sldChg>
+      <pc:sldChg chg="add">
+        <pc:chgData name="이종은" userId="5cabcc43-02d4-48e1-8252-8be248ae0561" providerId="ADAL" clId="{86BAD552-FBD3-4483-BF6A-086BC946112A}" dt="2022-09-14T08:59:04.616" v="620"/>
+        <pc:sldMkLst>
+          <pc:docMk/>
+          <pc:sldMk cId="3560798258" sldId="286"/>
+        </pc:sldMkLst>
+      </pc:sldChg>
+      <pc:sldChg chg="addSp delSp modSp add mod">
+        <pc:chgData name="이종은" userId="5cabcc43-02d4-48e1-8252-8be248ae0561" providerId="ADAL" clId="{86BAD552-FBD3-4483-BF6A-086BC946112A}" dt="2022-09-14T09:00:43.737" v="651" actId="1076"/>
+        <pc:sldMkLst>
+          <pc:docMk/>
+          <pc:sldMk cId="3924395411" sldId="287"/>
+        </pc:sldMkLst>
+        <pc:spChg chg="mod">
+          <ac:chgData name="이종은" userId="5cabcc43-02d4-48e1-8252-8be248ae0561" providerId="ADAL" clId="{86BAD552-FBD3-4483-BF6A-086BC946112A}" dt="2022-09-14T09:00:20.811" v="646"/>
+          <ac:spMkLst>
+            <pc:docMk/>
+            <pc:sldMk cId="3924395411" sldId="287"/>
+            <ac:spMk id="3" creationId="{00000000-0000-0000-0000-000000000000}"/>
+          </ac:spMkLst>
+        </pc:spChg>
+        <pc:picChg chg="add mod">
+          <ac:chgData name="이종은" userId="5cabcc43-02d4-48e1-8252-8be248ae0561" providerId="ADAL" clId="{86BAD552-FBD3-4483-BF6A-086BC946112A}" dt="2022-09-14T09:00:43.737" v="651" actId="1076"/>
+          <ac:picMkLst>
+            <pc:docMk/>
+            <pc:sldMk cId="3924395411" sldId="287"/>
+            <ac:picMk id="5" creationId="{02E4B624-B9F1-892B-D0B1-CD09F73F4066}"/>
+          </ac:picMkLst>
+        </pc:picChg>
+        <pc:picChg chg="del mod">
+          <ac:chgData name="이종은" userId="5cabcc43-02d4-48e1-8252-8be248ae0561" providerId="ADAL" clId="{86BAD552-FBD3-4483-BF6A-086BC946112A}" dt="2022-09-14T09:00:23.892" v="649" actId="478"/>
+          <ac:picMkLst>
+            <pc:docMk/>
+            <pc:sldMk cId="3924395411" sldId="287"/>
+            <ac:picMk id="6" creationId="{00000000-0000-0000-0000-000000000000}"/>
+          </ac:picMkLst>
+        </pc:picChg>
+        <pc:picChg chg="del">
+          <ac:chgData name="이종은" userId="5cabcc43-02d4-48e1-8252-8be248ae0561" providerId="ADAL" clId="{86BAD552-FBD3-4483-BF6A-086BC946112A}" dt="2022-09-14T09:00:15.417" v="644" actId="478"/>
+          <ac:picMkLst>
+            <pc:docMk/>
+            <pc:sldMk cId="3924395411" sldId="287"/>
+            <ac:picMk id="7" creationId="{E67C5D99-838E-3BA0-D8C6-CCF2B0D509A8}"/>
+          </ac:picMkLst>
+        </pc:picChg>
+      </pc:sldChg>
+      <pc:sldChg chg="addSp delSp modSp add mod">
+        <pc:chgData name="이종은" userId="5cabcc43-02d4-48e1-8252-8be248ae0561" providerId="ADAL" clId="{86BAD552-FBD3-4483-BF6A-086BC946112A}" dt="2022-09-14T09:40:03.452" v="665" actId="1076"/>
+        <pc:sldMkLst>
+          <pc:docMk/>
+          <pc:sldMk cId="1013579075" sldId="288"/>
+        </pc:sldMkLst>
+        <pc:picChg chg="del">
+          <ac:chgData name="이종은" userId="5cabcc43-02d4-48e1-8252-8be248ae0561" providerId="ADAL" clId="{86BAD552-FBD3-4483-BF6A-086BC946112A}" dt="2022-09-14T09:39:48.777" v="660" actId="478"/>
+          <ac:picMkLst>
+            <pc:docMk/>
+            <pc:sldMk cId="1013579075" sldId="288"/>
+            <ac:picMk id="5" creationId="{00000000-0000-0000-0000-000000000000}"/>
+          </ac:picMkLst>
+        </pc:picChg>
+        <pc:picChg chg="add mod">
+          <ac:chgData name="이종은" userId="5cabcc43-02d4-48e1-8252-8be248ae0561" providerId="ADAL" clId="{86BAD552-FBD3-4483-BF6A-086BC946112A}" dt="2022-09-14T09:40:03.452" v="665" actId="1076"/>
+          <ac:picMkLst>
+            <pc:docMk/>
+            <pc:sldMk cId="1013579075" sldId="288"/>
+            <ac:picMk id="6" creationId="{A29D7443-C0D1-F977-14B3-43FEE998F7C9}"/>
+          </ac:picMkLst>
+        </pc:picChg>
+      </pc:sldChg>
+      <pc:sldChg chg="add del">
+        <pc:chgData name="이종은" userId="5cabcc43-02d4-48e1-8252-8be248ae0561" providerId="ADAL" clId="{86BAD552-FBD3-4483-BF6A-086BC946112A}" dt="2022-09-14T09:39:04.784" v="656"/>
+        <pc:sldMkLst>
+          <pc:docMk/>
+          <pc:sldMk cId="2707285036" sldId="288"/>
+        </pc:sldMkLst>
+      </pc:sldChg>
+      <pc:sldChg chg="add del">
+        <pc:chgData name="이종은" userId="5cabcc43-02d4-48e1-8252-8be248ae0561" providerId="ADAL" clId="{86BAD552-FBD3-4483-BF6A-086BC946112A}" dt="2022-09-14T09:44:31.116" v="729"/>
+        <pc:sldMkLst>
+          <pc:docMk/>
+          <pc:sldMk cId="3090589017" sldId="289"/>
+        </pc:sldMkLst>
+      </pc:sldChg>
+      <pc:sldChg chg="addSp delSp modSp add mod ord">
+        <pc:chgData name="이종은" userId="5cabcc43-02d4-48e1-8252-8be248ae0561" providerId="ADAL" clId="{86BAD552-FBD3-4483-BF6A-086BC946112A}" dt="2022-09-14T10:07:16.533" v="967" actId="1076"/>
+        <pc:sldMkLst>
+          <pc:docMk/>
+          <pc:sldMk cId="3452745327" sldId="289"/>
+        </pc:sldMkLst>
+        <pc:picChg chg="del">
+          <ac:chgData name="이종은" userId="5cabcc43-02d4-48e1-8252-8be248ae0561" providerId="ADAL" clId="{86BAD552-FBD3-4483-BF6A-086BC946112A}" dt="2022-09-14T10:01:13.303" v="955" actId="478"/>
+          <ac:picMkLst>
+            <pc:docMk/>
+            <pc:sldMk cId="3452745327" sldId="289"/>
+            <ac:picMk id="4" creationId="{3811CDDD-D734-DCDE-4841-090F81C9A79C}"/>
+          </ac:picMkLst>
+        </pc:picChg>
+        <pc:picChg chg="add del mod">
+          <ac:chgData name="이종은" userId="5cabcc43-02d4-48e1-8252-8be248ae0561" providerId="ADAL" clId="{86BAD552-FBD3-4483-BF6A-086BC946112A}" dt="2022-09-14T10:07:11.258" v="964" actId="478"/>
+          <ac:picMkLst>
+            <pc:docMk/>
+            <pc:sldMk cId="3452745327" sldId="289"/>
+            <ac:picMk id="5" creationId="{60A62496-8064-EC11-A717-1A96E3F93FE5}"/>
+          </ac:picMkLst>
+        </pc:picChg>
+        <pc:picChg chg="add mod">
+          <ac:chgData name="이종은" userId="5cabcc43-02d4-48e1-8252-8be248ae0561" providerId="ADAL" clId="{86BAD552-FBD3-4483-BF6A-086BC946112A}" dt="2022-09-14T10:07:16.533" v="967" actId="1076"/>
+          <ac:picMkLst>
+            <pc:docMk/>
+            <pc:sldMk cId="3452745327" sldId="289"/>
+            <ac:picMk id="7" creationId="{5385E195-CA3D-2A58-87B1-038C21157F89}"/>
+          </ac:picMkLst>
+        </pc:picChg>
+      </pc:sldChg>
+    </pc:docChg>
+  </pc:docChgLst>
+</pc:chgInfo>
+</file>
+
 <file path=ppt/notesMasters/notesMaster1.xml><?xml version="1.0" encoding="utf-8"?>
 <p:notesMaster xmlns:a="http://schemas.openxmlformats.org/drawingml/2006/main" xmlns:r="http://schemas.openxmlformats.org/officeDocument/2006/relationships" xmlns:p="http://schemas.openxmlformats.org/presentationml/2006/main">
   <p:cSld>
@@ -213,7 +957,7 @@
           <a:p>
             <a:fld id="{2810F96D-AAED-46B4-9287-2FCAFDFE893C}" type="datetimeFigureOut">
               <a:rPr lang="ko-KR" altLang="en-US" smtClean="0"/>
-              <a:t>2019-04-23</a:t>
+              <a:t>2022-09-14</a:t>
             </a:fld>
             <a:endParaRPr lang="ko-KR" altLang="en-US"/>
           </a:p>
@@ -619,7 +1363,7 @@
           <a:p>
             <a:fld id="{F8D5ED43-C055-4AE5-84AD-C613D5669DDC}" type="datetimeFigureOut">
               <a:rPr lang="ko-KR" altLang="en-US" smtClean="0"/>
-              <a:t>2019-04-23</a:t>
+              <a:t>2022-09-14</a:t>
             </a:fld>
             <a:endParaRPr lang="ko-KR" altLang="en-US"/>
           </a:p>
@@ -861,7 +1605,7 @@
           <a:p>
             <a:fld id="{F8D5ED43-C055-4AE5-84AD-C613D5669DDC}" type="datetimeFigureOut">
               <a:rPr lang="ko-KR" altLang="en-US" smtClean="0"/>
-              <a:t>2019-04-23</a:t>
+              <a:t>2022-09-14</a:t>
             </a:fld>
             <a:endParaRPr lang="ko-KR" altLang="en-US"/>
           </a:p>
@@ -1045,7 +1789,7 @@
           <a:p>
             <a:fld id="{F8D5ED43-C055-4AE5-84AD-C613D5669DDC}" type="datetimeFigureOut">
               <a:rPr lang="ko-KR" altLang="en-US" smtClean="0"/>
-              <a:t>2019-04-23</a:t>
+              <a:t>2022-09-14</a:t>
             </a:fld>
             <a:endParaRPr lang="ko-KR" altLang="en-US"/>
           </a:p>
@@ -1279,7 +2023,7 @@
           <a:p>
             <a:fld id="{F8D5ED43-C055-4AE5-84AD-C613D5669DDC}" type="datetimeFigureOut">
               <a:rPr lang="ko-KR" altLang="en-US" smtClean="0"/>
-              <a:t>2019-04-23</a:t>
+              <a:t>2022-09-14</a:t>
             </a:fld>
             <a:endParaRPr lang="ko-KR" altLang="en-US"/>
           </a:p>
@@ -1570,7 +2314,7 @@
           <a:p>
             <a:fld id="{F8D5ED43-C055-4AE5-84AD-C613D5669DDC}" type="datetimeFigureOut">
               <a:rPr lang="ko-KR" altLang="en-US" smtClean="0"/>
-              <a:t>2019-04-23</a:t>
+              <a:t>2022-09-14</a:t>
             </a:fld>
             <a:endParaRPr lang="ko-KR" altLang="en-US"/>
           </a:p>
@@ -1838,7 +2582,7 @@
           <a:p>
             <a:fld id="{F8D5ED43-C055-4AE5-84AD-C613D5669DDC}" type="datetimeFigureOut">
               <a:rPr lang="ko-KR" altLang="en-US" smtClean="0"/>
-              <a:t>2019-04-23</a:t>
+              <a:t>2022-09-14</a:t>
             </a:fld>
             <a:endParaRPr lang="ko-KR" altLang="en-US"/>
           </a:p>
@@ -2285,7 +3029,7 @@
           <a:p>
             <a:fld id="{F8D5ED43-C055-4AE5-84AD-C613D5669DDC}" type="datetimeFigureOut">
               <a:rPr lang="ko-KR" altLang="en-US" smtClean="0"/>
-              <a:t>2019-04-23</a:t>
+              <a:t>2022-09-14</a:t>
             </a:fld>
             <a:endParaRPr lang="ko-KR" altLang="en-US"/>
           </a:p>
@@ -2434,7 +3178,7 @@
           <a:p>
             <a:fld id="{F8D5ED43-C055-4AE5-84AD-C613D5669DDC}" type="datetimeFigureOut">
               <a:rPr lang="ko-KR" altLang="en-US" smtClean="0"/>
-              <a:t>2019-04-23</a:t>
+              <a:t>2022-09-14</a:t>
             </a:fld>
             <a:endParaRPr lang="ko-KR" altLang="en-US"/>
           </a:p>
@@ -2529,7 +3273,7 @@
           <a:p>
             <a:fld id="{F8D5ED43-C055-4AE5-84AD-C613D5669DDC}" type="datetimeFigureOut">
               <a:rPr lang="ko-KR" altLang="en-US" smtClean="0"/>
-              <a:t>2019-04-23</a:t>
+              <a:t>2022-09-14</a:t>
             </a:fld>
             <a:endParaRPr lang="ko-KR" altLang="en-US"/>
           </a:p>
@@ -2782,7 +3526,7 @@
           <a:p>
             <a:fld id="{F8D5ED43-C055-4AE5-84AD-C613D5669DDC}" type="datetimeFigureOut">
               <a:rPr lang="ko-KR" altLang="en-US" smtClean="0"/>
-              <a:t>2019-04-23</a:t>
+              <a:t>2022-09-14</a:t>
             </a:fld>
             <a:endParaRPr lang="ko-KR" altLang="en-US"/>
           </a:p>
@@ -3227,7 +3971,7 @@
           <a:p>
             <a:fld id="{F8D5ED43-C055-4AE5-84AD-C613D5669DDC}" type="datetimeFigureOut">
               <a:rPr lang="ko-KR" altLang="en-US" smtClean="0"/>
-              <a:t>2019-04-23</a:t>
+              <a:t>2022-09-14</a:t>
             </a:fld>
             <a:endParaRPr lang="ko-KR" altLang="en-US"/>
           </a:p>
@@ -3590,7 +4334,7 @@
           <a:p>
             <a:fld id="{F8D5ED43-C055-4AE5-84AD-C613D5669DDC}" type="datetimeFigureOut">
               <a:rPr lang="ko-KR" altLang="en-US" smtClean="0"/>
-              <a:t>2019-04-23</a:t>
+              <a:t>2022-09-14</a:t>
             </a:fld>
             <a:endParaRPr lang="ko-KR" altLang="en-US"/>
           </a:p>
@@ -4044,7 +4788,7 @@
           <p:cNvPr id="2" name="제목 1">
             <a:extLst>
               <a:ext uri="{FF2B5EF4-FFF2-40B4-BE49-F238E27FC236}">
-                <a16:creationId xmlns:a16="http://schemas.microsoft.com/office/drawing/2014/main" xmlns="" id="{4B3D17DA-BD87-4AE7-8278-816CB9EB3AE9}"/>
+                <a16:creationId xmlns:a16="http://schemas.microsoft.com/office/drawing/2014/main" id="{4B3D17DA-BD87-4AE7-8278-816CB9EB3AE9}"/>
               </a:ext>
             </a:extLst>
           </p:cNvPr>
@@ -4081,7 +4825,7 @@
           <p:cNvPr id="3" name="부제목 2">
             <a:extLst>
               <a:ext uri="{FF2B5EF4-FFF2-40B4-BE49-F238E27FC236}">
-                <a16:creationId xmlns:a16="http://schemas.microsoft.com/office/drawing/2014/main" xmlns="" id="{765BB252-D4A2-475F-82DF-FE843024CC79}"/>
+                <a16:creationId xmlns:a16="http://schemas.microsoft.com/office/drawing/2014/main" id="{765BB252-D4A2-475F-82DF-FE843024CC79}"/>
               </a:ext>
             </a:extLst>
           </p:cNvPr>
@@ -4153,7 +4897,7 @@
           <a:lstStyle/>
           <a:p>
             <a:r>
-              <a:rPr lang="en-US" altLang="ko-KR" dirty="0" smtClean="0"/>
+              <a:rPr lang="en-US" altLang="ko-KR" dirty="0"/>
               <a:t>Filtering</a:t>
             </a:r>
             <a:endParaRPr lang="ko-KR" altLang="en-US" dirty="0"/>
@@ -4162,7 +4906,13 @@
       </p:sp>
       <p:sp>
         <p:nvSpPr>
-          <p:cNvPr id="3" name="내용 개체 틀 2"/>
+          <p:cNvPr id="3" name="내용 개체 틀 2">
+            <a:extLst>
+              <a:ext uri="{FF2B5EF4-FFF2-40B4-BE49-F238E27FC236}">
+                <a16:creationId xmlns:a16="http://schemas.microsoft.com/office/drawing/2014/main" id="{4639AE76-19C0-A87E-860B-0ECE7B65D27B}"/>
+              </a:ext>
+            </a:extLst>
+          </p:cNvPr>
           <p:cNvSpPr>
             <a:spLocks noGrp="1"/>
           </p:cNvSpPr>
@@ -4170,42 +4920,48 @@
             <p:ph idx="1"/>
           </p:nvPr>
         </p:nvSpPr>
-        <p:spPr/>
+        <p:spPr>
+          <a:xfrm>
+            <a:off x="259345" y="1246917"/>
+            <a:ext cx="8635273" cy="4219430"/>
+          </a:xfrm>
+        </p:spPr>
         <p:txBody>
           <a:bodyPr/>
           <a:lstStyle/>
           <a:p>
             <a:r>
-              <a:rPr lang="en-US" altLang="ko-KR" dirty="0" smtClean="0"/>
+              <a:rPr lang="en-US" altLang="ko-KR" sz="2000" dirty="0"/>
               <a:t>Median filter – window size = 3, 5, 7</a:t>
             </a:r>
-            <a:endParaRPr lang="ko-KR" altLang="en-US" dirty="0"/>
+            <a:endParaRPr lang="ko-KR" altLang="en-US" sz="2000" dirty="0"/>
           </a:p>
         </p:txBody>
       </p:sp>
       <p:pic>
         <p:nvPicPr>
-          <p:cNvPr id="6" name="그림 5"/>
+          <p:cNvPr id="6" name="그림 5">
+            <a:extLst>
+              <a:ext uri="{FF2B5EF4-FFF2-40B4-BE49-F238E27FC236}">
+                <a16:creationId xmlns:a16="http://schemas.microsoft.com/office/drawing/2014/main" id="{FC0CC528-AE8E-565D-59F3-86FC48F6CE08}"/>
+              </a:ext>
+            </a:extLst>
+          </p:cNvPr>
           <p:cNvPicPr>
             <a:picLocks noChangeAspect="1"/>
           </p:cNvPicPr>
           <p:nvPr/>
         </p:nvPicPr>
-        <p:blipFill rotWithShape="1">
-          <a:blip r:embed="rId2">
-            <a:extLst>
-              <a:ext uri="{28A0092B-C50C-407E-A947-70E740481C1C}">
-                <a14:useLocalDpi xmlns:a14="http://schemas.microsoft.com/office/drawing/2010/main" val="0"/>
-              </a:ext>
-            </a:extLst>
-          </a:blip>
-          <a:srcRect l="10000" t="25705" r="9127" b="22552"/>
-          <a:stretch/>
+        <p:blipFill>
+          <a:blip r:embed="rId2"/>
+          <a:stretch>
+            <a:fillRect/>
+          </a:stretch>
         </p:blipFill>
         <p:spPr>
           <a:xfrm>
-            <a:off x="364607" y="2216123"/>
-            <a:ext cx="8424748" cy="2874969"/>
+            <a:off x="1831834" y="2251306"/>
+            <a:ext cx="5480332" cy="3276768"/>
           </a:xfrm>
           <a:prstGeom prst="rect">
             <a:avLst/>
@@ -4215,7 +4971,7 @@
     </p:spTree>
     <p:extLst>
       <p:ext uri="{BB962C8B-B14F-4D97-AF65-F5344CB8AC3E}">
-        <p14:creationId xmlns:p14="http://schemas.microsoft.com/office/powerpoint/2010/main" val="3983943553"/>
+        <p14:creationId xmlns:p14="http://schemas.microsoft.com/office/powerpoint/2010/main" val="67468113"/>
       </p:ext>
     </p:extLst>
   </p:cSld>
@@ -4260,16 +5016,45 @@
           <a:lstStyle/>
           <a:p>
             <a:r>
-              <a:rPr lang="en-US" altLang="ko-KR" dirty="0" smtClean="0"/>
+              <a:rPr lang="en-US" altLang="ko-KR" dirty="0"/>
               <a:t>Filtering</a:t>
             </a:r>
             <a:endParaRPr lang="ko-KR" altLang="en-US" dirty="0"/>
+          </a:p>
+        </p:txBody>
+      </p:sp>
+      <p:sp>
+        <p:nvSpPr>
+          <p:cNvPr id="3" name="내용 개체 틀 2"/>
+          <p:cNvSpPr>
+            <a:spLocks noGrp="1"/>
+          </p:cNvSpPr>
+          <p:nvPr>
+            <p:ph idx="1"/>
+          </p:nvPr>
+        </p:nvSpPr>
+        <p:spPr/>
+        <p:txBody>
+          <a:bodyPr/>
+          <a:lstStyle/>
+          <a:p>
+            <a:r>
+              <a:rPr lang="en-US" altLang="ko-KR" sz="2000" dirty="0"/>
+              <a:t>Median filter – window size = 3, 5, 7</a:t>
+            </a:r>
+            <a:endParaRPr lang="ko-KR" altLang="en-US" sz="2000" dirty="0"/>
           </a:p>
         </p:txBody>
       </p:sp>
       <p:pic>
         <p:nvPicPr>
-          <p:cNvPr id="4" name="그림 3"/>
+          <p:cNvPr id="5" name="그림 4">
+            <a:extLst>
+              <a:ext uri="{FF2B5EF4-FFF2-40B4-BE49-F238E27FC236}">
+                <a16:creationId xmlns:a16="http://schemas.microsoft.com/office/drawing/2014/main" id="{6316FAE8-D2BD-551F-8F79-B15AFEBBD4BD}"/>
+              </a:ext>
+            </a:extLst>
+          </p:cNvPr>
           <p:cNvPicPr>
             <a:picLocks noChangeAspect="1"/>
           </p:cNvPicPr>
@@ -4283,8 +5068,8 @@
         </p:blipFill>
         <p:spPr>
           <a:xfrm>
-            <a:off x="2396560" y="1956622"/>
-            <a:ext cx="4276517" cy="2871375"/>
+            <a:off x="577644" y="2432998"/>
+            <a:ext cx="7988711" cy="2717940"/>
           </a:xfrm>
           <a:prstGeom prst="rect">
             <a:avLst/>
@@ -4294,7 +5079,7 @@
     </p:spTree>
     <p:extLst>
       <p:ext uri="{BB962C8B-B14F-4D97-AF65-F5344CB8AC3E}">
-        <p14:creationId xmlns:p14="http://schemas.microsoft.com/office/powerpoint/2010/main" val="67468113"/>
+        <p14:creationId xmlns:p14="http://schemas.microsoft.com/office/powerpoint/2010/main" val="3983943553"/>
       </p:ext>
     </p:extLst>
   </p:cSld>
@@ -4339,7 +5124,7 @@
           <a:lstStyle/>
           <a:p>
             <a:r>
-              <a:rPr lang="en-US" altLang="ko-KR" dirty="0" smtClean="0"/>
+              <a:rPr lang="en-US" altLang="ko-KR" dirty="0"/>
               <a:t>Filtering</a:t>
             </a:r>
             <a:endParaRPr lang="ko-KR" altLang="en-US" dirty="0"/>
@@ -4348,7 +5133,13 @@
       </p:sp>
       <p:sp>
         <p:nvSpPr>
-          <p:cNvPr id="3" name="내용 개체 틀 2"/>
+          <p:cNvPr id="4" name="내용 개체 틀 2">
+            <a:extLst>
+              <a:ext uri="{FF2B5EF4-FFF2-40B4-BE49-F238E27FC236}">
+                <a16:creationId xmlns:a16="http://schemas.microsoft.com/office/drawing/2014/main" id="{BA9A9BB4-9621-1E44-76D3-AFFCEF0E269A}"/>
+              </a:ext>
+            </a:extLst>
+          </p:cNvPr>
           <p:cNvSpPr>
             <a:spLocks noGrp="1"/>
           </p:cNvSpPr>
@@ -4356,46 +5147,138 @@
             <p:ph idx="1"/>
           </p:nvPr>
         </p:nvSpPr>
-        <p:spPr/>
+        <p:spPr>
+          <a:xfrm>
+            <a:off x="259345" y="1246917"/>
+            <a:ext cx="8635273" cy="4219430"/>
+          </a:xfrm>
+        </p:spPr>
         <p:txBody>
           <a:bodyPr/>
           <a:lstStyle/>
           <a:p>
             <a:r>
-              <a:rPr lang="en-US" altLang="ko-KR" dirty="0" smtClean="0"/>
-              <a:t>Application: </a:t>
-            </a:r>
-            <a:r>
-              <a:rPr lang="en-US" altLang="ko-KR" dirty="0" err="1" smtClean="0"/>
-              <a:t>Denoising</a:t>
-            </a:r>
-            <a:endParaRPr lang="ko-KR" altLang="en-US" dirty="0"/>
+              <a:rPr lang="en-US" altLang="ko-KR" sz="2000" dirty="0"/>
+              <a:t>High-boost filtering (sharpening the image)</a:t>
+            </a:r>
+          </a:p>
+          <a:p>
+            <a:pPr marL="800100" lvl="1" indent="-342900">
+              <a:buFont typeface="+mj-lt"/>
+              <a:buAutoNum type="arabicPeriod"/>
+            </a:pPr>
+            <a:r>
+              <a:rPr lang="en-US" altLang="ko-KR" sz="2000" dirty="0"/>
+              <a:t>Blur the image.</a:t>
+            </a:r>
+          </a:p>
+          <a:p>
+            <a:pPr marL="800100" lvl="1" indent="-342900">
+              <a:buFont typeface="+mj-lt"/>
+              <a:buAutoNum type="arabicPeriod"/>
+            </a:pPr>
+            <a:r>
+              <a:rPr lang="en-US" altLang="ko-KR" sz="2000" dirty="0"/>
+              <a:t>Subtract the blurred image from the original image. </a:t>
+            </a:r>
+            <a:br>
+              <a:rPr lang="en-US" altLang="ko-KR" sz="2000" dirty="0"/>
+            </a:br>
+            <a:r>
+              <a:rPr lang="en-US" altLang="ko-KR" sz="2000" dirty="0"/>
+              <a:t>The output image will have most of the high-frequency components.</a:t>
+            </a:r>
+          </a:p>
+          <a:p>
+            <a:pPr marL="800100" lvl="1" indent="-342900">
+              <a:buFont typeface="+mj-lt"/>
+              <a:buAutoNum type="arabicPeriod"/>
+            </a:pPr>
+            <a:endParaRPr lang="en-US" altLang="ko-KR" sz="2000" dirty="0"/>
+          </a:p>
+          <a:p>
+            <a:pPr marL="800100" lvl="1" indent="-342900">
+              <a:buFont typeface="+mj-lt"/>
+              <a:buAutoNum type="arabicPeriod"/>
+            </a:pPr>
+            <a:endParaRPr lang="en-US" altLang="ko-KR" sz="2000" dirty="0"/>
+          </a:p>
+          <a:p>
+            <a:pPr marL="800100" lvl="1" indent="-342900">
+              <a:buFont typeface="+mj-lt"/>
+              <a:buAutoNum type="arabicPeriod"/>
+            </a:pPr>
+            <a:r>
+              <a:rPr lang="en-US" altLang="ko-KR" sz="2000" dirty="0"/>
+              <a:t>Adding these components back to the original will enhance the high-frequency components. </a:t>
+            </a:r>
+          </a:p>
+          <a:p>
+            <a:pPr marL="800100" lvl="1" indent="-342900">
+              <a:buFont typeface="+mj-lt"/>
+              <a:buAutoNum type="arabicPeriod"/>
+            </a:pPr>
+            <a:endParaRPr lang="en-US" altLang="ko-KR" sz="2000" dirty="0"/>
+          </a:p>
+          <a:p>
+            <a:endParaRPr lang="ko-KR" altLang="en-US" sz="2000" dirty="0"/>
           </a:p>
         </p:txBody>
       </p:sp>
       <p:pic>
         <p:nvPicPr>
-          <p:cNvPr id="5" name="그림 4"/>
+          <p:cNvPr id="5" name="그림 4">
+            <a:extLst>
+              <a:ext uri="{FF2B5EF4-FFF2-40B4-BE49-F238E27FC236}">
+                <a16:creationId xmlns:a16="http://schemas.microsoft.com/office/drawing/2014/main" id="{C80C3097-0F64-6F85-5699-67D564A9FFE0}"/>
+              </a:ext>
+            </a:extLst>
+          </p:cNvPr>
           <p:cNvPicPr>
             <a:picLocks noChangeAspect="1"/>
           </p:cNvPicPr>
           <p:nvPr/>
         </p:nvPicPr>
-        <p:blipFill rotWithShape="1">
-          <a:blip r:embed="rId2" cstate="print">
-            <a:extLst>
-              <a:ext uri="{28A0092B-C50C-407E-A947-70E740481C1C}">
-                <a14:useLocalDpi xmlns:a14="http://schemas.microsoft.com/office/drawing/2010/main" val="0"/>
-              </a:ext>
-            </a:extLst>
-          </a:blip>
-          <a:srcRect l="10960" t="32224" r="9258" b="31001"/>
-          <a:stretch/>
+        <p:blipFill>
+          <a:blip r:embed="rId2"/>
+          <a:stretch>
+            <a:fillRect/>
+          </a:stretch>
         </p:blipFill>
         <p:spPr>
           <a:xfrm>
-            <a:off x="0" y="2317977"/>
-            <a:ext cx="9144000" cy="2182148"/>
+            <a:off x="2397013" y="3105794"/>
+            <a:ext cx="4349974" cy="501676"/>
+          </a:xfrm>
+          <a:prstGeom prst="rect">
+            <a:avLst/>
+          </a:prstGeom>
+        </p:spPr>
+      </p:pic>
+      <p:pic>
+        <p:nvPicPr>
+          <p:cNvPr id="7" name="그림 6">
+            <a:extLst>
+              <a:ext uri="{FF2B5EF4-FFF2-40B4-BE49-F238E27FC236}">
+                <a16:creationId xmlns:a16="http://schemas.microsoft.com/office/drawing/2014/main" id="{F8B4F929-F548-CD90-D6F2-432F54D1912A}"/>
+              </a:ext>
+            </a:extLst>
+          </p:cNvPr>
+          <p:cNvPicPr>
+            <a:picLocks noChangeAspect="1"/>
+          </p:cNvPicPr>
+          <p:nvPr/>
+        </p:nvPicPr>
+        <p:blipFill>
+          <a:blip r:embed="rId3"/>
+          <a:stretch>
+            <a:fillRect/>
+          </a:stretch>
+        </p:blipFill>
+        <p:spPr>
+          <a:xfrm>
+            <a:off x="2270006" y="4808737"/>
+            <a:ext cx="4603987" cy="508026"/>
           </a:xfrm>
           <a:prstGeom prst="rect">
             <a:avLst/>
@@ -4405,7 +5288,7 @@
     </p:spTree>
     <p:extLst>
       <p:ext uri="{BB962C8B-B14F-4D97-AF65-F5344CB8AC3E}">
-        <p14:creationId xmlns:p14="http://schemas.microsoft.com/office/powerpoint/2010/main" val="1534489147"/>
+        <p14:creationId xmlns:p14="http://schemas.microsoft.com/office/powerpoint/2010/main" val="585380778"/>
       </p:ext>
     </p:extLst>
   </p:cSld>
@@ -4450,16 +5333,58 @@
           <a:lstStyle/>
           <a:p>
             <a:r>
-              <a:rPr lang="en-US" altLang="ko-KR" dirty="0" smtClean="0"/>
+              <a:rPr lang="en-US" altLang="ko-KR" dirty="0"/>
               <a:t>Filtering</a:t>
             </a:r>
             <a:endParaRPr lang="ko-KR" altLang="en-US" dirty="0"/>
+          </a:p>
+        </p:txBody>
+      </p:sp>
+      <p:sp>
+        <p:nvSpPr>
+          <p:cNvPr id="4" name="내용 개체 틀 2">
+            <a:extLst>
+              <a:ext uri="{FF2B5EF4-FFF2-40B4-BE49-F238E27FC236}">
+                <a16:creationId xmlns:a16="http://schemas.microsoft.com/office/drawing/2014/main" id="{E8C785BC-C7B1-7E11-D493-6984F35B06C5}"/>
+              </a:ext>
+            </a:extLst>
+          </p:cNvPr>
+          <p:cNvSpPr>
+            <a:spLocks noGrp="1"/>
+          </p:cNvSpPr>
+          <p:nvPr>
+            <p:ph idx="1"/>
+          </p:nvPr>
+        </p:nvSpPr>
+        <p:spPr>
+          <a:xfrm>
+            <a:off x="259345" y="1246917"/>
+            <a:ext cx="8635273" cy="4219430"/>
+          </a:xfrm>
+        </p:spPr>
+        <p:txBody>
+          <a:bodyPr/>
+          <a:lstStyle/>
+          <a:p>
+            <a:r>
+              <a:rPr lang="en-US" altLang="ko-KR" sz="2000" dirty="0"/>
+              <a:t>High-boost filtering (sharpening the image)</a:t>
+            </a:r>
+          </a:p>
+          <a:p>
+            <a:endParaRPr lang="ko-KR" altLang="en-US" sz="2000" dirty="0"/>
           </a:p>
         </p:txBody>
       </p:sp>
       <p:pic>
         <p:nvPicPr>
-          <p:cNvPr id="8" name="그림 7"/>
+          <p:cNvPr id="7" name="그림 6">
+            <a:extLst>
+              <a:ext uri="{FF2B5EF4-FFF2-40B4-BE49-F238E27FC236}">
+                <a16:creationId xmlns:a16="http://schemas.microsoft.com/office/drawing/2014/main" id="{965CDAE1-A4DA-20AA-58DC-725379063107}"/>
+              </a:ext>
+            </a:extLst>
+          </p:cNvPr>
           <p:cNvPicPr>
             <a:picLocks noChangeAspect="1"/>
           </p:cNvPicPr>
@@ -4473,61 +5398,24 @@
         </p:blipFill>
         <p:spPr>
           <a:xfrm>
-            <a:off x="553036" y="1451576"/>
-            <a:ext cx="7928089" cy="4018089"/>
+            <a:off x="1676964" y="1789337"/>
+            <a:ext cx="5790071" cy="4969862"/>
           </a:xfrm>
           <a:prstGeom prst="rect">
             <a:avLst/>
           </a:prstGeom>
         </p:spPr>
       </p:pic>
-      <p:sp>
-        <p:nvSpPr>
-          <p:cNvPr id="9" name="TextBox 8"/>
-          <p:cNvSpPr txBox="1"/>
-          <p:nvPr/>
-        </p:nvSpPr>
-        <p:spPr>
-          <a:xfrm>
-            <a:off x="447217" y="990267"/>
-            <a:ext cx="4140755" cy="369332"/>
-          </a:xfrm>
-          <a:prstGeom prst="rect">
-            <a:avLst/>
-          </a:prstGeom>
-          <a:noFill/>
-        </p:spPr>
-        <p:txBody>
-          <a:bodyPr wrap="square" rtlCol="0">
-            <a:spAutoFit/>
-          </a:bodyPr>
-          <a:lstStyle/>
-          <a:p>
-            <a:r>
-              <a:rPr lang="en-US" altLang="ko-KR" dirty="0" smtClean="0"/>
-              <a:t>Import packages, and function definition</a:t>
-            </a:r>
-            <a:endParaRPr lang="ko-KR" altLang="en-US" dirty="0"/>
-          </a:p>
-        </p:txBody>
-      </p:sp>
     </p:spTree>
     <p:extLst>
       <p:ext uri="{BB962C8B-B14F-4D97-AF65-F5344CB8AC3E}">
-        <p14:creationId xmlns:p14="http://schemas.microsoft.com/office/powerpoint/2010/main" val="963601659"/>
+        <p14:creationId xmlns:p14="http://schemas.microsoft.com/office/powerpoint/2010/main" val="2660187738"/>
       </p:ext>
     </p:extLst>
   </p:cSld>
   <p:clrMapOvr>
     <a:masterClrMapping/>
   </p:clrMapOvr>
-  <p:timing>
-    <p:tnLst>
-      <p:par>
-        <p:cTn id="1" dur="indefinite" restart="never" nodeType="tmRoot"/>
-      </p:par>
-    </p:tnLst>
-  </p:timing>
 </p:sld>
 </file>
 
@@ -4566,38 +5454,8 @@
           <a:lstStyle/>
           <a:p>
             <a:r>
-              <a:rPr lang="en-US" altLang="ko-KR" dirty="0" smtClean="0"/>
+              <a:rPr lang="en-US" altLang="ko-KR" dirty="0"/>
               <a:t>Filtering</a:t>
-            </a:r>
-            <a:endParaRPr lang="ko-KR" altLang="en-US" dirty="0"/>
-          </a:p>
-        </p:txBody>
-      </p:sp>
-      <p:sp>
-        <p:nvSpPr>
-          <p:cNvPr id="3" name="TextBox 2"/>
-          <p:cNvSpPr txBox="1"/>
-          <p:nvPr/>
-        </p:nvSpPr>
-        <p:spPr>
-          <a:xfrm>
-            <a:off x="323434" y="1006239"/>
-            <a:ext cx="5414526" cy="369332"/>
-          </a:xfrm>
-          <a:prstGeom prst="rect">
-            <a:avLst/>
-          </a:prstGeom>
-          <a:noFill/>
-        </p:spPr>
-        <p:txBody>
-          <a:bodyPr wrap="square" rtlCol="0">
-            <a:spAutoFit/>
-          </a:bodyPr>
-          <a:lstStyle/>
-          <a:p>
-            <a:r>
-              <a:rPr lang="en-US" altLang="ko-KR" dirty="0" smtClean="0"/>
-              <a:t>Load file &amp; noise generation &amp; initial settings</a:t>
             </a:r>
             <a:endParaRPr lang="ko-KR" altLang="en-US" dirty="0"/>
           </a:p>
@@ -4605,7 +5463,13 @@
       </p:sp>
       <p:pic>
         <p:nvPicPr>
-          <p:cNvPr id="4" name="그림 3"/>
+          <p:cNvPr id="6" name="그림 5">
+            <a:extLst>
+              <a:ext uri="{FF2B5EF4-FFF2-40B4-BE49-F238E27FC236}">
+                <a16:creationId xmlns:a16="http://schemas.microsoft.com/office/drawing/2014/main" id="{7D43E655-2D90-62CF-32BB-5CD8DBA3466B}"/>
+              </a:ext>
+            </a:extLst>
+          </p:cNvPr>
           <p:cNvPicPr>
             <a:picLocks noChangeAspect="1"/>
           </p:cNvPicPr>
@@ -4619,31 +5483,60 @@
         </p:blipFill>
         <p:spPr>
           <a:xfrm>
-            <a:off x="394488" y="1549289"/>
-            <a:ext cx="5272418" cy="2675048"/>
+            <a:off x="382883" y="2226138"/>
+            <a:ext cx="8276984" cy="2841453"/>
           </a:xfrm>
           <a:prstGeom prst="rect">
             <a:avLst/>
           </a:prstGeom>
         </p:spPr>
       </p:pic>
+      <p:sp>
+        <p:nvSpPr>
+          <p:cNvPr id="7" name="내용 개체 틀 2">
+            <a:extLst>
+              <a:ext uri="{FF2B5EF4-FFF2-40B4-BE49-F238E27FC236}">
+                <a16:creationId xmlns:a16="http://schemas.microsoft.com/office/drawing/2014/main" id="{F0E76D71-3F11-809C-E8B0-D41AD9AEF96C}"/>
+              </a:ext>
+            </a:extLst>
+          </p:cNvPr>
+          <p:cNvSpPr>
+            <a:spLocks noGrp="1"/>
+          </p:cNvSpPr>
+          <p:nvPr>
+            <p:ph idx="1"/>
+          </p:nvPr>
+        </p:nvSpPr>
+        <p:spPr>
+          <a:xfrm>
+            <a:off x="259345" y="1246917"/>
+            <a:ext cx="8635273" cy="4219430"/>
+          </a:xfrm>
+        </p:spPr>
+        <p:txBody>
+          <a:bodyPr/>
+          <a:lstStyle/>
+          <a:p>
+            <a:r>
+              <a:rPr lang="en-US" altLang="ko-KR" sz="2000" dirty="0"/>
+              <a:t>High-boost filtering (sharpening the image)</a:t>
+            </a:r>
+          </a:p>
+          <a:p>
+            <a:endParaRPr lang="ko-KR" altLang="en-US" sz="2000" dirty="0"/>
+          </a:p>
+        </p:txBody>
+      </p:sp>
     </p:spTree>
     <p:extLst>
       <p:ext uri="{BB962C8B-B14F-4D97-AF65-F5344CB8AC3E}">
-        <p14:creationId xmlns:p14="http://schemas.microsoft.com/office/powerpoint/2010/main" val="1827535974"/>
+        <p14:creationId xmlns:p14="http://schemas.microsoft.com/office/powerpoint/2010/main" val="3415763162"/>
       </p:ext>
     </p:extLst>
   </p:cSld>
   <p:clrMapOvr>
     <a:masterClrMapping/>
   </p:clrMapOvr>
-  <p:timing>
-    <p:tnLst>
-      <p:par>
-        <p:cTn id="1" dur="indefinite" restart="never" nodeType="tmRoot"/>
-      </p:par>
-    </p:tnLst>
-  </p:timing>
 </p:sld>
 </file>
 
@@ -4682,7 +5575,7 @@
           <a:lstStyle/>
           <a:p>
             <a:r>
-              <a:rPr lang="en-US" altLang="ko-KR" dirty="0" smtClean="0"/>
+              <a:rPr lang="en-US" altLang="ko-KR" dirty="0"/>
               <a:t>Filtering</a:t>
             </a:r>
             <a:endParaRPr lang="ko-KR" altLang="en-US" dirty="0"/>
@@ -4691,50 +5584,46 @@
       </p:sp>
       <p:sp>
         <p:nvSpPr>
-          <p:cNvPr id="3" name="TextBox 2"/>
-          <p:cNvSpPr txBox="1"/>
-          <p:nvPr/>
+          <p:cNvPr id="3" name="내용 개체 틀 2"/>
+          <p:cNvSpPr>
+            <a:spLocks noGrp="1"/>
+          </p:cNvSpPr>
+          <p:nvPr>
+            <p:ph idx="1"/>
+          </p:nvPr>
         </p:nvSpPr>
-        <p:spPr>
-          <a:xfrm>
-            <a:off x="323434" y="1006239"/>
-            <a:ext cx="7548534" cy="923330"/>
-          </a:xfrm>
-          <a:prstGeom prst="rect">
-            <a:avLst/>
-          </a:prstGeom>
-          <a:noFill/>
-        </p:spPr>
+        <p:spPr/>
         <p:txBody>
-          <a:bodyPr wrap="square" rtlCol="0">
-            <a:spAutoFit/>
-          </a:bodyPr>
+          <a:bodyPr/>
           <a:lstStyle/>
           <a:p>
             <a:r>
-              <a:rPr lang="en-US" altLang="ko-KR" dirty="0" err="1" smtClean="0"/>
-              <a:t>Denoising</a:t>
-            </a:r>
-            <a:r>
-              <a:rPr lang="en-US" altLang="ko-KR" dirty="0" smtClean="0"/>
-              <a:t> on Gaussian Noise</a:t>
-            </a:r>
-          </a:p>
-          <a:p>
-            <a:endParaRPr lang="en-US" altLang="ko-KR" dirty="0" smtClean="0"/>
-          </a:p>
-          <a:p>
-            <a:r>
-              <a:rPr lang="en-US" altLang="ko-KR" dirty="0" smtClean="0"/>
-              <a:t>Similarity measure: NRMSE(normalized RMSE), SSIM (Structural similarity)</a:t>
-            </a:r>
-            <a:endParaRPr lang="en-US" altLang="ko-KR" dirty="0"/>
+              <a:rPr lang="en-US" altLang="ko-KR" sz="2000" dirty="0"/>
+              <a:t>Application: Denoising</a:t>
+            </a:r>
+            <a:br>
+              <a:rPr lang="en-US" altLang="ko-KR" sz="2000" dirty="0"/>
+            </a:br>
+            <a:br>
+              <a:rPr lang="en-US" altLang="ko-KR" sz="2000" dirty="0"/>
+            </a:br>
+            <a:r>
+              <a:rPr lang="en-US" altLang="ko-KR" sz="2000" dirty="0"/>
+              <a:t>Type of noise: Gaussian, Salt and Pepper, Speckle</a:t>
+            </a:r>
+            <a:endParaRPr lang="ko-KR" altLang="en-US" sz="2000" dirty="0"/>
           </a:p>
         </p:txBody>
       </p:sp>
       <p:pic>
         <p:nvPicPr>
-          <p:cNvPr id="5" name="그림 4"/>
+          <p:cNvPr id="6" name="그림 5">
+            <a:extLst>
+              <a:ext uri="{FF2B5EF4-FFF2-40B4-BE49-F238E27FC236}">
+                <a16:creationId xmlns:a16="http://schemas.microsoft.com/office/drawing/2014/main" id="{CD452458-4608-4A7B-AFD3-0EF9799017AD}"/>
+              </a:ext>
+            </a:extLst>
+          </p:cNvPr>
           <p:cNvPicPr>
             <a:picLocks noChangeAspect="1"/>
           </p:cNvPicPr>
@@ -4748,8 +5637,8 @@
         </p:blipFill>
         <p:spPr>
           <a:xfrm>
-            <a:off x="1106936" y="2076704"/>
-            <a:ext cx="7064475" cy="3712908"/>
+            <a:off x="259345" y="3131842"/>
+            <a:ext cx="8635273" cy="2129776"/>
           </a:xfrm>
           <a:prstGeom prst="rect">
             <a:avLst/>
@@ -4759,20 +5648,13 @@
     </p:spTree>
     <p:extLst>
       <p:ext uri="{BB962C8B-B14F-4D97-AF65-F5344CB8AC3E}">
-        <p14:creationId xmlns:p14="http://schemas.microsoft.com/office/powerpoint/2010/main" val="2360934232"/>
+        <p14:creationId xmlns:p14="http://schemas.microsoft.com/office/powerpoint/2010/main" val="1534489147"/>
       </p:ext>
     </p:extLst>
   </p:cSld>
   <p:clrMapOvr>
     <a:masterClrMapping/>
   </p:clrMapOvr>
-  <p:timing>
-    <p:tnLst>
-      <p:par>
-        <p:cTn id="1" dur="indefinite" restart="never" nodeType="tmRoot"/>
-      </p:par>
-    </p:tnLst>
-  </p:timing>
 </p:sld>
 </file>
 
@@ -4811,8 +5693,8 @@
           <a:lstStyle/>
           <a:p>
             <a:r>
-              <a:rPr lang="en-US" altLang="ko-KR" dirty="0" smtClean="0"/>
-              <a:t>Filtering</a:t>
+              <a:rPr lang="en-US" altLang="ko-KR" dirty="0"/>
+              <a:t>example</a:t>
             </a:r>
             <a:endParaRPr lang="ko-KR" altLang="en-US" dirty="0"/>
           </a:p>
@@ -4820,42 +5702,210 @@
       </p:sp>
       <p:sp>
         <p:nvSpPr>
-          <p:cNvPr id="3" name="TextBox 2"/>
-          <p:cNvSpPr txBox="1"/>
-          <p:nvPr/>
+          <p:cNvPr id="4" name="내용 개체 틀 2">
+            <a:extLst>
+              <a:ext uri="{FF2B5EF4-FFF2-40B4-BE49-F238E27FC236}">
+                <a16:creationId xmlns:a16="http://schemas.microsoft.com/office/drawing/2014/main" id="{404F90EA-9967-82B3-02D9-0D7BED98C5E9}"/>
+              </a:ext>
+            </a:extLst>
+          </p:cNvPr>
+          <p:cNvSpPr>
+            <a:spLocks noGrp="1"/>
+          </p:cNvSpPr>
+          <p:nvPr>
+            <p:ph idx="1"/>
+          </p:nvPr>
         </p:nvSpPr>
         <p:spPr>
           <a:xfrm>
-            <a:off x="323434" y="1006239"/>
-            <a:ext cx="7548534" cy="369332"/>
+            <a:off x="259345" y="1246917"/>
+            <a:ext cx="8635273" cy="4219430"/>
+          </a:xfrm>
+        </p:spPr>
+        <p:txBody>
+          <a:bodyPr/>
+          <a:lstStyle/>
+          <a:p>
+            <a:r>
+              <a:rPr lang="en-US" altLang="ko-KR" sz="2000" dirty="0"/>
+              <a:t>Application: Denoising (Gaussian noise)</a:t>
+            </a:r>
+            <a:br>
+              <a:rPr lang="en-US" altLang="ko-KR" sz="2000" dirty="0"/>
+            </a:br>
+            <a:br>
+              <a:rPr lang="en-US" altLang="ko-KR" sz="2000" dirty="0"/>
+            </a:br>
+            <a:r>
+              <a:rPr lang="en-US" altLang="ko-KR" sz="2000" dirty="0"/>
+              <a:t>Similarity measure: NRMSE(normalized RMSE), SSIM (Structural similarity)</a:t>
+            </a:r>
+          </a:p>
+          <a:p>
+            <a:endParaRPr lang="ko-KR" altLang="en-US" sz="2000" dirty="0"/>
+          </a:p>
+        </p:txBody>
+      </p:sp>
+      <p:pic>
+        <p:nvPicPr>
+          <p:cNvPr id="9" name="그림 8">
+            <a:extLst>
+              <a:ext uri="{FF2B5EF4-FFF2-40B4-BE49-F238E27FC236}">
+                <a16:creationId xmlns:a16="http://schemas.microsoft.com/office/drawing/2014/main" id="{847E7470-65BF-F654-D4AD-F8AB5AEF9D66}"/>
+              </a:ext>
+            </a:extLst>
+          </p:cNvPr>
+          <p:cNvPicPr>
+            <a:picLocks noChangeAspect="1"/>
+          </p:cNvPicPr>
+          <p:nvPr/>
+        </p:nvPicPr>
+        <p:blipFill>
+          <a:blip r:embed="rId2"/>
+          <a:stretch>
+            <a:fillRect/>
+          </a:stretch>
+        </p:blipFill>
+        <p:spPr>
+          <a:xfrm>
+            <a:off x="246408" y="2664032"/>
+            <a:ext cx="8651183" cy="3944196"/>
           </a:xfrm>
           <a:prstGeom prst="rect">
             <a:avLst/>
           </a:prstGeom>
-          <a:noFill/>
+        </p:spPr>
+      </p:pic>
+    </p:spTree>
+    <p:extLst>
+      <p:ext uri="{BB962C8B-B14F-4D97-AF65-F5344CB8AC3E}">
+        <p14:creationId xmlns:p14="http://schemas.microsoft.com/office/powerpoint/2010/main" val="2360934232"/>
+      </p:ext>
+    </p:extLst>
+  </p:cSld>
+  <p:clrMapOvr>
+    <a:masterClrMapping/>
+  </p:clrMapOvr>
+</p:sld>
+</file>
+
+<file path=ppt/slides/slide17.xml><?xml version="1.0" encoding="utf-8"?>
+<p:sld xmlns:a="http://schemas.openxmlformats.org/drawingml/2006/main" xmlns:r="http://schemas.openxmlformats.org/officeDocument/2006/relationships" xmlns:p="http://schemas.openxmlformats.org/presentationml/2006/main">
+  <p:cSld>
+    <p:spTree>
+      <p:nvGrpSpPr>
+        <p:cNvPr id="1" name=""/>
+        <p:cNvGrpSpPr/>
+        <p:nvPr/>
+      </p:nvGrpSpPr>
+      <p:grpSpPr>
+        <a:xfrm>
+          <a:off x="0" y="0"/>
+          <a:ext cx="0" cy="0"/>
+          <a:chOff x="0" y="0"/>
+          <a:chExt cx="0" cy="0"/>
+        </a:xfrm>
+      </p:grpSpPr>
+      <p:sp>
+        <p:nvSpPr>
+          <p:cNvPr id="7" name="제목 1">
+            <a:extLst>
+              <a:ext uri="{FF2B5EF4-FFF2-40B4-BE49-F238E27FC236}">
+                <a16:creationId xmlns:a16="http://schemas.microsoft.com/office/drawing/2014/main" id="{F9532C74-8B97-D4A8-5BD8-98FE298BEAB1}"/>
+              </a:ext>
+            </a:extLst>
+          </p:cNvPr>
+          <p:cNvSpPr>
+            <a:spLocks noGrp="1"/>
+          </p:cNvSpPr>
+          <p:nvPr>
+            <p:ph type="title"/>
+          </p:nvPr>
+        </p:nvSpPr>
+        <p:spPr>
+          <a:xfrm>
+            <a:off x="259345" y="370304"/>
+            <a:ext cx="7912066" cy="498031"/>
+          </a:xfrm>
         </p:spPr>
         <p:txBody>
-          <a:bodyPr wrap="square" rtlCol="0">
-            <a:spAutoFit/>
+          <a:bodyPr>
+            <a:normAutofit fontScale="90000"/>
           </a:bodyPr>
           <a:lstStyle/>
           <a:p>
             <a:r>
-              <a:rPr lang="en-US" altLang="ko-KR" dirty="0" smtClean="0"/>
-              <a:t>Do it your self </a:t>
-            </a:r>
-            <a:r>
-              <a:rPr lang="en-US" altLang="ko-KR" dirty="0" err="1" smtClean="0"/>
-              <a:t>denoising</a:t>
-            </a:r>
-            <a:r>
-              <a:rPr lang="en-US" altLang="ko-KR" dirty="0" smtClean="0"/>
-              <a:t> on Salt&amp; Pepper and Speckle noise</a:t>
-            </a:r>
-            <a:endParaRPr lang="en-US" altLang="ko-KR" dirty="0"/>
+              <a:rPr lang="en-US" altLang="ko-KR" dirty="0"/>
+              <a:t>Example</a:t>
+            </a:r>
+            <a:endParaRPr lang="ko-KR" altLang="en-US" dirty="0"/>
           </a:p>
         </p:txBody>
       </p:sp>
+      <p:sp>
+        <p:nvSpPr>
+          <p:cNvPr id="8" name="내용 개체 틀 2">
+            <a:extLst>
+              <a:ext uri="{FF2B5EF4-FFF2-40B4-BE49-F238E27FC236}">
+                <a16:creationId xmlns:a16="http://schemas.microsoft.com/office/drawing/2014/main" id="{A8D2BCF4-DF86-CC4F-784B-47FC45D4BBF4}"/>
+              </a:ext>
+            </a:extLst>
+          </p:cNvPr>
+          <p:cNvSpPr>
+            <a:spLocks noGrp="1"/>
+          </p:cNvSpPr>
+          <p:nvPr>
+            <p:ph idx="1"/>
+          </p:nvPr>
+        </p:nvSpPr>
+        <p:spPr>
+          <a:xfrm>
+            <a:off x="259345" y="1246917"/>
+            <a:ext cx="8635273" cy="4219430"/>
+          </a:xfrm>
+        </p:spPr>
+        <p:txBody>
+          <a:bodyPr/>
+          <a:lstStyle/>
+          <a:p>
+            <a:r>
+              <a:rPr lang="en-US" altLang="ko-KR" sz="2000" dirty="0"/>
+              <a:t>Do it yourself! Denoise Salt&amp; Pepper and Speckle noises</a:t>
+            </a:r>
+            <a:endParaRPr lang="ko-KR" altLang="en-US" sz="2000" dirty="0"/>
+          </a:p>
+        </p:txBody>
+      </p:sp>
+      <p:pic>
+        <p:nvPicPr>
+          <p:cNvPr id="10" name="그림 9">
+            <a:extLst>
+              <a:ext uri="{FF2B5EF4-FFF2-40B4-BE49-F238E27FC236}">
+                <a16:creationId xmlns:a16="http://schemas.microsoft.com/office/drawing/2014/main" id="{3A3A97A4-8B2D-EB62-26AC-89506CC30601}"/>
+              </a:ext>
+            </a:extLst>
+          </p:cNvPr>
+          <p:cNvPicPr>
+            <a:picLocks noChangeAspect="1"/>
+          </p:cNvPicPr>
+          <p:nvPr/>
+        </p:nvPicPr>
+        <p:blipFill>
+          <a:blip r:embed="rId2"/>
+          <a:stretch>
+            <a:fillRect/>
+          </a:stretch>
+        </p:blipFill>
+        <p:spPr>
+          <a:xfrm>
+            <a:off x="2842606" y="2349314"/>
+            <a:ext cx="3458788" cy="3009298"/>
+          </a:xfrm>
+          <a:prstGeom prst="rect">
+            <a:avLst/>
+          </a:prstGeom>
+        </p:spPr>
+      </p:pic>
     </p:spTree>
     <p:extLst>
       <p:ext uri="{BB962C8B-B14F-4D97-AF65-F5344CB8AC3E}">
@@ -4866,17 +5916,10 @@
   <p:clrMapOvr>
     <a:masterClrMapping/>
   </p:clrMapOvr>
-  <p:timing>
-    <p:tnLst>
-      <p:par>
-        <p:cTn id="1" dur="indefinite" restart="never" nodeType="tmRoot"/>
-      </p:par>
-    </p:tnLst>
-  </p:timing>
 </p:sld>
 </file>
 
-<file path=ppt/slides/slide17.xml><?xml version="1.0" encoding="utf-8"?>
+<file path=ppt/slides/slide18.xml><?xml version="1.0" encoding="utf-8"?>
 <p:sld xmlns:a="http://schemas.openxmlformats.org/drawingml/2006/main" xmlns:r="http://schemas.openxmlformats.org/officeDocument/2006/relationships" xmlns:p="http://schemas.openxmlformats.org/presentationml/2006/main">
   <p:cSld>
     <p:spTree>
@@ -4911,8 +5954,8 @@
           <a:lstStyle/>
           <a:p>
             <a:r>
-              <a:rPr lang="en-US" altLang="ko-KR" dirty="0" smtClean="0"/>
-              <a:t>Filtering</a:t>
+              <a:rPr lang="en-US" altLang="ko-KR" dirty="0"/>
+              <a:t>Example - solution</a:t>
             </a:r>
             <a:endParaRPr lang="ko-KR" altLang="en-US" dirty="0"/>
           </a:p>
@@ -4920,27 +5963,113 @@
       </p:sp>
       <p:pic>
         <p:nvPicPr>
-          <p:cNvPr id="6" name="그림 5"/>
+          <p:cNvPr id="7" name="그림 6">
+            <a:extLst>
+              <a:ext uri="{FF2B5EF4-FFF2-40B4-BE49-F238E27FC236}">
+                <a16:creationId xmlns:a16="http://schemas.microsoft.com/office/drawing/2014/main" id="{5385E195-CA3D-2A58-87B1-038C21157F89}"/>
+              </a:ext>
+            </a:extLst>
+          </p:cNvPr>
           <p:cNvPicPr>
             <a:picLocks noChangeAspect="1"/>
           </p:cNvPicPr>
           <p:nvPr/>
         </p:nvPicPr>
-        <p:blipFill rotWithShape="1">
-          <a:blip r:embed="rId2" cstate="print">
-            <a:extLst>
-              <a:ext uri="{28A0092B-C50C-407E-A947-70E740481C1C}">
-                <a14:useLocalDpi xmlns:a14="http://schemas.microsoft.com/office/drawing/2010/main" val="0"/>
-              </a:ext>
-            </a:extLst>
-          </a:blip>
-          <a:srcRect l="13886" t="10462" r="12053" b="8395"/>
-          <a:stretch/>
+        <p:blipFill>
+          <a:blip r:embed="rId2"/>
+          <a:stretch>
+            <a:fillRect/>
+          </a:stretch>
         </p:blipFill>
         <p:spPr>
           <a:xfrm>
-            <a:off x="0" y="914399"/>
-            <a:ext cx="9144000" cy="5186633"/>
+            <a:off x="1557922" y="1006354"/>
+            <a:ext cx="6028156" cy="5764559"/>
+          </a:xfrm>
+          <a:prstGeom prst="rect">
+            <a:avLst/>
+          </a:prstGeom>
+        </p:spPr>
+      </p:pic>
+    </p:spTree>
+    <p:extLst>
+      <p:ext uri="{BB962C8B-B14F-4D97-AF65-F5344CB8AC3E}">
+        <p14:creationId xmlns:p14="http://schemas.microsoft.com/office/powerpoint/2010/main" val="3452745327"/>
+      </p:ext>
+    </p:extLst>
+  </p:cSld>
+  <p:clrMapOvr>
+    <a:masterClrMapping/>
+  </p:clrMapOvr>
+</p:sld>
+</file>
+
+<file path=ppt/slides/slide19.xml><?xml version="1.0" encoding="utf-8"?>
+<p:sld xmlns:a="http://schemas.openxmlformats.org/drawingml/2006/main" xmlns:r="http://schemas.openxmlformats.org/officeDocument/2006/relationships" xmlns:p="http://schemas.openxmlformats.org/presentationml/2006/main">
+  <p:cSld>
+    <p:spTree>
+      <p:nvGrpSpPr>
+        <p:cNvPr id="1" name=""/>
+        <p:cNvGrpSpPr/>
+        <p:nvPr/>
+      </p:nvGrpSpPr>
+      <p:grpSpPr>
+        <a:xfrm>
+          <a:off x="0" y="0"/>
+          <a:ext cx="0" cy="0"/>
+          <a:chOff x="0" y="0"/>
+          <a:chExt cx="0" cy="0"/>
+        </a:xfrm>
+      </p:grpSpPr>
+      <p:sp>
+        <p:nvSpPr>
+          <p:cNvPr id="2" name="제목 1"/>
+          <p:cNvSpPr>
+            <a:spLocks noGrp="1"/>
+          </p:cNvSpPr>
+          <p:nvPr>
+            <p:ph type="title"/>
+          </p:nvPr>
+        </p:nvSpPr>
+        <p:spPr/>
+        <p:txBody>
+          <a:bodyPr>
+            <a:normAutofit fontScale="90000"/>
+          </a:bodyPr>
+          <a:lstStyle/>
+          <a:p>
+            <a:r>
+              <a:rPr lang="en-US" altLang="ko-KR" dirty="0"/>
+              <a:t>Example - solution</a:t>
+            </a:r>
+            <a:endParaRPr lang="ko-KR" altLang="en-US" dirty="0"/>
+          </a:p>
+        </p:txBody>
+      </p:sp>
+      <p:pic>
+        <p:nvPicPr>
+          <p:cNvPr id="7" name="그림 6">
+            <a:extLst>
+              <a:ext uri="{FF2B5EF4-FFF2-40B4-BE49-F238E27FC236}">
+                <a16:creationId xmlns:a16="http://schemas.microsoft.com/office/drawing/2014/main" id="{52AE9DB5-E85C-553B-8109-42D5132FBA0D}"/>
+              </a:ext>
+            </a:extLst>
+          </p:cNvPr>
+          <p:cNvPicPr>
+            <a:picLocks noChangeAspect="1"/>
+          </p:cNvPicPr>
+          <p:nvPr/>
+        </p:nvPicPr>
+        <p:blipFill>
+          <a:blip r:embed="rId2"/>
+          <a:stretch>
+            <a:fillRect/>
+          </a:stretch>
+        </p:blipFill>
+        <p:spPr>
+          <a:xfrm>
+            <a:off x="1026924" y="965144"/>
+            <a:ext cx="7090151" cy="5837438"/>
           </a:xfrm>
           <a:prstGeom prst="rect">
             <a:avLst/>
@@ -4957,13 +6086,6 @@
   <p:clrMapOvr>
     <a:masterClrMapping/>
   </p:clrMapOvr>
-  <p:timing>
-    <p:tnLst>
-      <p:par>
-        <p:cTn id="1" dur="indefinite" restart="never" nodeType="tmRoot"/>
-      </p:par>
-    </p:tnLst>
-  </p:timing>
 </p:sld>
 </file>
 
@@ -4989,7 +6111,7 @@
           <p:cNvPr id="2" name="제목 1">
             <a:extLst>
               <a:ext uri="{FF2B5EF4-FFF2-40B4-BE49-F238E27FC236}">
-                <a16:creationId xmlns:a16="http://schemas.microsoft.com/office/drawing/2014/main" xmlns="" id="{32A4EF47-FCCA-4723-AF28-1B2DE76CE7E9}"/>
+                <a16:creationId xmlns:a16="http://schemas.microsoft.com/office/drawing/2014/main" id="{32A4EF47-FCCA-4723-AF28-1B2DE76CE7E9}"/>
               </a:ext>
             </a:extLst>
           </p:cNvPr>
@@ -5022,7 +6144,7 @@
               <p:cNvPr id="3" name="내용 개체 틀 2">
                 <a:extLst>
                   <a:ext uri="{FF2B5EF4-FFF2-40B4-BE49-F238E27FC236}">
-                    <a16:creationId xmlns:a16="http://schemas.microsoft.com/office/drawing/2014/main" xmlns="" id="{25774E92-9B95-4123-B29D-F5E0D6956FCA}"/>
+                    <a16:creationId xmlns:a16="http://schemas.microsoft.com/office/drawing/2014/main" id="{25774E92-9B95-4123-B29D-F5E0D6956FCA}"/>
                   </a:ext>
                 </a:extLst>
               </p:cNvPr>
@@ -5579,7 +6701,7 @@
           <p:cNvPr id="4" name="표 3">
             <a:extLst>
               <a:ext uri="{FF2B5EF4-FFF2-40B4-BE49-F238E27FC236}">
-                <a16:creationId xmlns:a16="http://schemas.microsoft.com/office/drawing/2014/main" xmlns="" id="{CAFAFA69-7389-4C95-8C0C-DF2516E7FBBF}"/>
+                <a16:creationId xmlns:a16="http://schemas.microsoft.com/office/drawing/2014/main" id="{CAFAFA69-7389-4C95-8C0C-DF2516E7FBBF}"/>
               </a:ext>
             </a:extLst>
           </p:cNvPr>
@@ -5608,21 +6730,21 @@
                 <a:gridCol w="360000">
                   <a:extLst>
                     <a:ext uri="{9D8B030D-6E8A-4147-A177-3AD203B41FA5}">
-                      <a16:colId xmlns:a16="http://schemas.microsoft.com/office/drawing/2014/main" xmlns="" val="2779456723"/>
+                      <a16:colId xmlns:a16="http://schemas.microsoft.com/office/drawing/2014/main" val="2779456723"/>
                     </a:ext>
                   </a:extLst>
                 </a:gridCol>
                 <a:gridCol w="360000">
                   <a:extLst>
                     <a:ext uri="{9D8B030D-6E8A-4147-A177-3AD203B41FA5}">
-                      <a16:colId xmlns:a16="http://schemas.microsoft.com/office/drawing/2014/main" xmlns="" val="1059469781"/>
+                      <a16:colId xmlns:a16="http://schemas.microsoft.com/office/drawing/2014/main" val="1059469781"/>
                     </a:ext>
                   </a:extLst>
                 </a:gridCol>
                 <a:gridCol w="360000">
                   <a:extLst>
                     <a:ext uri="{9D8B030D-6E8A-4147-A177-3AD203B41FA5}">
-                      <a16:colId xmlns:a16="http://schemas.microsoft.com/office/drawing/2014/main" xmlns="" val="3863667837"/>
+                      <a16:colId xmlns:a16="http://schemas.microsoft.com/office/drawing/2014/main" val="3863667837"/>
                     </a:ext>
                   </a:extLst>
                 </a:gridCol>
@@ -5687,7 +6809,7 @@
                 </a:tc>
                 <a:extLst>
                   <a:ext uri="{0D108BD9-81ED-4DB2-BD59-A6C34878D82A}">
-                    <a16:rowId xmlns:a16="http://schemas.microsoft.com/office/drawing/2014/main" xmlns="" val="3341197041"/>
+                    <a16:rowId xmlns:a16="http://schemas.microsoft.com/office/drawing/2014/main" val="3341197041"/>
                   </a:ext>
                 </a:extLst>
               </a:tr>
@@ -5751,7 +6873,7 @@
                 </a:tc>
                 <a:extLst>
                   <a:ext uri="{0D108BD9-81ED-4DB2-BD59-A6C34878D82A}">
-                    <a16:rowId xmlns:a16="http://schemas.microsoft.com/office/drawing/2014/main" xmlns="" val="7128914"/>
+                    <a16:rowId xmlns:a16="http://schemas.microsoft.com/office/drawing/2014/main" val="7128914"/>
                   </a:ext>
                 </a:extLst>
               </a:tr>
@@ -5815,7 +6937,7 @@
                 </a:tc>
                 <a:extLst>
                   <a:ext uri="{0D108BD9-81ED-4DB2-BD59-A6C34878D82A}">
-                    <a16:rowId xmlns:a16="http://schemas.microsoft.com/office/drawing/2014/main" xmlns="" val="1284812851"/>
+                    <a16:rowId xmlns:a16="http://schemas.microsoft.com/office/drawing/2014/main" val="1284812851"/>
                   </a:ext>
                 </a:extLst>
               </a:tr>
@@ -5828,7 +6950,7 @@
           <p:cNvPr id="5" name="표 4">
             <a:extLst>
               <a:ext uri="{FF2B5EF4-FFF2-40B4-BE49-F238E27FC236}">
-                <a16:creationId xmlns:a16="http://schemas.microsoft.com/office/drawing/2014/main" xmlns="" id="{3296F407-B680-43ED-AD34-55970E7DD7CC}"/>
+                <a16:creationId xmlns:a16="http://schemas.microsoft.com/office/drawing/2014/main" id="{3296F407-B680-43ED-AD34-55970E7DD7CC}"/>
               </a:ext>
             </a:extLst>
           </p:cNvPr>
@@ -5857,21 +6979,21 @@
                 <a:gridCol w="360000">
                   <a:extLst>
                     <a:ext uri="{9D8B030D-6E8A-4147-A177-3AD203B41FA5}">
-                      <a16:colId xmlns:a16="http://schemas.microsoft.com/office/drawing/2014/main" xmlns="" val="2779456723"/>
+                      <a16:colId xmlns:a16="http://schemas.microsoft.com/office/drawing/2014/main" val="2779456723"/>
                     </a:ext>
                   </a:extLst>
                 </a:gridCol>
                 <a:gridCol w="360000">
                   <a:extLst>
                     <a:ext uri="{9D8B030D-6E8A-4147-A177-3AD203B41FA5}">
-                      <a16:colId xmlns:a16="http://schemas.microsoft.com/office/drawing/2014/main" xmlns="" val="1059469781"/>
+                      <a16:colId xmlns:a16="http://schemas.microsoft.com/office/drawing/2014/main" val="1059469781"/>
                     </a:ext>
                   </a:extLst>
                 </a:gridCol>
                 <a:gridCol w="360000">
                   <a:extLst>
                     <a:ext uri="{9D8B030D-6E8A-4147-A177-3AD203B41FA5}">
-                      <a16:colId xmlns:a16="http://schemas.microsoft.com/office/drawing/2014/main" xmlns="" val="3863667837"/>
+                      <a16:colId xmlns:a16="http://schemas.microsoft.com/office/drawing/2014/main" val="3863667837"/>
                     </a:ext>
                   </a:extLst>
                 </a:gridCol>
@@ -5936,7 +7058,7 @@
                 </a:tc>
                 <a:extLst>
                   <a:ext uri="{0D108BD9-81ED-4DB2-BD59-A6C34878D82A}">
-                    <a16:rowId xmlns:a16="http://schemas.microsoft.com/office/drawing/2014/main" xmlns="" val="3341197041"/>
+                    <a16:rowId xmlns:a16="http://schemas.microsoft.com/office/drawing/2014/main" val="3341197041"/>
                   </a:ext>
                 </a:extLst>
               </a:tr>
@@ -6000,7 +7122,7 @@
                 </a:tc>
                 <a:extLst>
                   <a:ext uri="{0D108BD9-81ED-4DB2-BD59-A6C34878D82A}">
-                    <a16:rowId xmlns:a16="http://schemas.microsoft.com/office/drawing/2014/main" xmlns="" val="7128914"/>
+                    <a16:rowId xmlns:a16="http://schemas.microsoft.com/office/drawing/2014/main" val="7128914"/>
                   </a:ext>
                 </a:extLst>
               </a:tr>
@@ -6064,7 +7186,7 @@
                 </a:tc>
                 <a:extLst>
                   <a:ext uri="{0D108BD9-81ED-4DB2-BD59-A6C34878D82A}">
-                    <a16:rowId xmlns:a16="http://schemas.microsoft.com/office/drawing/2014/main" xmlns="" val="1284812851"/>
+                    <a16:rowId xmlns:a16="http://schemas.microsoft.com/office/drawing/2014/main" val="1284812851"/>
                   </a:ext>
                 </a:extLst>
               </a:tr>
@@ -6077,7 +7199,7 @@
           <p:cNvPr id="6" name="TextBox 5">
             <a:extLst>
               <a:ext uri="{FF2B5EF4-FFF2-40B4-BE49-F238E27FC236}">
-                <a16:creationId xmlns:a16="http://schemas.microsoft.com/office/drawing/2014/main" xmlns="" id="{C3E8456D-91F3-422E-903B-2098958994AF}"/>
+                <a16:creationId xmlns:a16="http://schemas.microsoft.com/office/drawing/2014/main" id="{C3E8456D-91F3-422E-903B-2098958994AF}"/>
               </a:ext>
             </a:extLst>
           </p:cNvPr>
@@ -6114,7 +7236,7 @@
           <p:cNvPr id="7" name="TextBox 6">
             <a:extLst>
               <a:ext uri="{FF2B5EF4-FFF2-40B4-BE49-F238E27FC236}">
-                <a16:creationId xmlns:a16="http://schemas.microsoft.com/office/drawing/2014/main" xmlns="" id="{DD3D9C0D-F840-4A4B-9126-25CFDC12DDC8}"/>
+                <a16:creationId xmlns:a16="http://schemas.microsoft.com/office/drawing/2014/main" id="{DD3D9C0D-F840-4A4B-9126-25CFDC12DDC8}"/>
               </a:ext>
             </a:extLst>
           </p:cNvPr>
@@ -6151,7 +7273,7 @@
           <p:cNvPr id="8" name="TextBox 7">
             <a:extLst>
               <a:ext uri="{FF2B5EF4-FFF2-40B4-BE49-F238E27FC236}">
-                <a16:creationId xmlns:a16="http://schemas.microsoft.com/office/drawing/2014/main" xmlns="" id="{FC7659E4-BE5C-416A-85D7-D57F30AB79EF}"/>
+                <a16:creationId xmlns:a16="http://schemas.microsoft.com/office/drawing/2014/main" id="{FC7659E4-BE5C-416A-85D7-D57F30AB79EF}"/>
               </a:ext>
             </a:extLst>
           </p:cNvPr>
@@ -6190,7 +7312,7 @@
               <p:cNvPr id="9" name="TextBox 8">
                 <a:extLst>
                   <a:ext uri="{FF2B5EF4-FFF2-40B4-BE49-F238E27FC236}">
-                    <a16:creationId xmlns:a16="http://schemas.microsoft.com/office/drawing/2014/main" xmlns="" id="{7BE2B141-AF9D-4E50-81D7-4FD0058C3CE1}"/>
+                    <a16:creationId xmlns:a16="http://schemas.microsoft.com/office/drawing/2014/main" id="{7BE2B141-AF9D-4E50-81D7-4FD0058C3CE1}"/>
                   </a:ext>
                 </a:extLst>
               </p:cNvPr>
@@ -6397,10 +7519,6 @@
                     </m:oMath>
                   </m:oMathPara>
                 </a14:m>
-                <a:r>
-                  <a:rPr lang="en-US" altLang="ko-KR" dirty="0"/>
-                  <a:t/>
-                </a:r>
                 <a:br>
                   <a:rPr lang="en-US" altLang="ko-KR" dirty="0"/>
                 </a:br>
@@ -6831,7 +7949,7 @@
           <p:cNvPr id="10" name="표 9">
             <a:extLst>
               <a:ext uri="{FF2B5EF4-FFF2-40B4-BE49-F238E27FC236}">
-                <a16:creationId xmlns:a16="http://schemas.microsoft.com/office/drawing/2014/main" xmlns="" id="{23A06819-4C11-40D1-A41D-F5AE569DEB7B}"/>
+                <a16:creationId xmlns:a16="http://schemas.microsoft.com/office/drawing/2014/main" id="{23A06819-4C11-40D1-A41D-F5AE569DEB7B}"/>
               </a:ext>
             </a:extLst>
           </p:cNvPr>
@@ -6860,21 +7978,21 @@
                 <a:gridCol w="360000">
                   <a:extLst>
                     <a:ext uri="{9D8B030D-6E8A-4147-A177-3AD203B41FA5}">
-                      <a16:colId xmlns:a16="http://schemas.microsoft.com/office/drawing/2014/main" xmlns="" val="2779456723"/>
+                      <a16:colId xmlns:a16="http://schemas.microsoft.com/office/drawing/2014/main" val="2779456723"/>
                     </a:ext>
                   </a:extLst>
                 </a:gridCol>
                 <a:gridCol w="360000">
                   <a:extLst>
                     <a:ext uri="{9D8B030D-6E8A-4147-A177-3AD203B41FA5}">
-                      <a16:colId xmlns:a16="http://schemas.microsoft.com/office/drawing/2014/main" xmlns="" val="1059469781"/>
+                      <a16:colId xmlns:a16="http://schemas.microsoft.com/office/drawing/2014/main" val="1059469781"/>
                     </a:ext>
                   </a:extLst>
                 </a:gridCol>
                 <a:gridCol w="360000">
                   <a:extLst>
                     <a:ext uri="{9D8B030D-6E8A-4147-A177-3AD203B41FA5}">
-                      <a16:colId xmlns:a16="http://schemas.microsoft.com/office/drawing/2014/main" xmlns="" val="3863667837"/>
+                      <a16:colId xmlns:a16="http://schemas.microsoft.com/office/drawing/2014/main" val="3863667837"/>
                     </a:ext>
                   </a:extLst>
                 </a:gridCol>
@@ -6939,7 +8057,7 @@
                 </a:tc>
                 <a:extLst>
                   <a:ext uri="{0D108BD9-81ED-4DB2-BD59-A6C34878D82A}">
-                    <a16:rowId xmlns:a16="http://schemas.microsoft.com/office/drawing/2014/main" xmlns="" val="3341197041"/>
+                    <a16:rowId xmlns:a16="http://schemas.microsoft.com/office/drawing/2014/main" val="3341197041"/>
                   </a:ext>
                 </a:extLst>
               </a:tr>
@@ -7003,7 +8121,7 @@
                 </a:tc>
                 <a:extLst>
                   <a:ext uri="{0D108BD9-81ED-4DB2-BD59-A6C34878D82A}">
-                    <a16:rowId xmlns:a16="http://schemas.microsoft.com/office/drawing/2014/main" xmlns="" val="7128914"/>
+                    <a16:rowId xmlns:a16="http://schemas.microsoft.com/office/drawing/2014/main" val="7128914"/>
                   </a:ext>
                 </a:extLst>
               </a:tr>
@@ -7067,7 +8185,7 @@
                 </a:tc>
                 <a:extLst>
                   <a:ext uri="{0D108BD9-81ED-4DB2-BD59-A6C34878D82A}">
-                    <a16:rowId xmlns:a16="http://schemas.microsoft.com/office/drawing/2014/main" xmlns="" val="1284812851"/>
+                    <a16:rowId xmlns:a16="http://schemas.microsoft.com/office/drawing/2014/main" val="1284812851"/>
                   </a:ext>
                 </a:extLst>
               </a:tr>
@@ -7080,7 +8198,7 @@
           <p:cNvPr id="11" name="표 10">
             <a:extLst>
               <a:ext uri="{FF2B5EF4-FFF2-40B4-BE49-F238E27FC236}">
-                <a16:creationId xmlns:a16="http://schemas.microsoft.com/office/drawing/2014/main" xmlns="" id="{5D70E4EF-AE16-4263-A279-DC0D39F8A1DF}"/>
+                <a16:creationId xmlns:a16="http://schemas.microsoft.com/office/drawing/2014/main" id="{5D70E4EF-AE16-4263-A279-DC0D39F8A1DF}"/>
               </a:ext>
             </a:extLst>
           </p:cNvPr>
@@ -7109,21 +8227,21 @@
                 <a:gridCol w="360000">
                   <a:extLst>
                     <a:ext uri="{9D8B030D-6E8A-4147-A177-3AD203B41FA5}">
-                      <a16:colId xmlns:a16="http://schemas.microsoft.com/office/drawing/2014/main" xmlns="" val="2779456723"/>
+                      <a16:colId xmlns:a16="http://schemas.microsoft.com/office/drawing/2014/main" val="2779456723"/>
                     </a:ext>
                   </a:extLst>
                 </a:gridCol>
                 <a:gridCol w="360000">
                   <a:extLst>
                     <a:ext uri="{9D8B030D-6E8A-4147-A177-3AD203B41FA5}">
-                      <a16:colId xmlns:a16="http://schemas.microsoft.com/office/drawing/2014/main" xmlns="" val="1059469781"/>
+                      <a16:colId xmlns:a16="http://schemas.microsoft.com/office/drawing/2014/main" val="1059469781"/>
                     </a:ext>
                   </a:extLst>
                 </a:gridCol>
                 <a:gridCol w="360000">
                   <a:extLst>
                     <a:ext uri="{9D8B030D-6E8A-4147-A177-3AD203B41FA5}">
-                      <a16:colId xmlns:a16="http://schemas.microsoft.com/office/drawing/2014/main" xmlns="" val="3863667837"/>
+                      <a16:colId xmlns:a16="http://schemas.microsoft.com/office/drawing/2014/main" val="3863667837"/>
                     </a:ext>
                   </a:extLst>
                 </a:gridCol>
@@ -7188,7 +8306,7 @@
                 </a:tc>
                 <a:extLst>
                   <a:ext uri="{0D108BD9-81ED-4DB2-BD59-A6C34878D82A}">
-                    <a16:rowId xmlns:a16="http://schemas.microsoft.com/office/drawing/2014/main" xmlns="" val="3341197041"/>
+                    <a16:rowId xmlns:a16="http://schemas.microsoft.com/office/drawing/2014/main" val="3341197041"/>
                   </a:ext>
                 </a:extLst>
               </a:tr>
@@ -7252,7 +8370,7 @@
                 </a:tc>
                 <a:extLst>
                   <a:ext uri="{0D108BD9-81ED-4DB2-BD59-A6C34878D82A}">
-                    <a16:rowId xmlns:a16="http://schemas.microsoft.com/office/drawing/2014/main" xmlns="" val="7128914"/>
+                    <a16:rowId xmlns:a16="http://schemas.microsoft.com/office/drawing/2014/main" val="7128914"/>
                   </a:ext>
                 </a:extLst>
               </a:tr>
@@ -7316,7 +8434,7 @@
                 </a:tc>
                 <a:extLst>
                   <a:ext uri="{0D108BD9-81ED-4DB2-BD59-A6C34878D82A}">
-                    <a16:rowId xmlns:a16="http://schemas.microsoft.com/office/drawing/2014/main" xmlns="" val="1284812851"/>
+                    <a16:rowId xmlns:a16="http://schemas.microsoft.com/office/drawing/2014/main" val="1284812851"/>
                   </a:ext>
                 </a:extLst>
               </a:tr>
@@ -7329,7 +8447,7 @@
           <p:cNvPr id="12" name="TextBox 11">
             <a:extLst>
               <a:ext uri="{FF2B5EF4-FFF2-40B4-BE49-F238E27FC236}">
-                <a16:creationId xmlns:a16="http://schemas.microsoft.com/office/drawing/2014/main" xmlns="" id="{E0D40B8F-5D93-443E-9949-62F1C9CC5A05}"/>
+                <a16:creationId xmlns:a16="http://schemas.microsoft.com/office/drawing/2014/main" id="{E0D40B8F-5D93-443E-9949-62F1C9CC5A05}"/>
               </a:ext>
             </a:extLst>
           </p:cNvPr>
@@ -7366,7 +8484,7 @@
           <p:cNvPr id="13" name="TextBox 12">
             <a:extLst>
               <a:ext uri="{FF2B5EF4-FFF2-40B4-BE49-F238E27FC236}">
-                <a16:creationId xmlns:a16="http://schemas.microsoft.com/office/drawing/2014/main" xmlns="" id="{B36066FD-46E6-46A6-A0CF-6BEDEC3A1A24}"/>
+                <a16:creationId xmlns:a16="http://schemas.microsoft.com/office/drawing/2014/main" id="{B36066FD-46E6-46A6-A0CF-6BEDEC3A1A24}"/>
               </a:ext>
             </a:extLst>
           </p:cNvPr>
@@ -7403,7 +8521,7 @@
           <p:cNvPr id="14" name="TextBox 13">
             <a:extLst>
               <a:ext uri="{FF2B5EF4-FFF2-40B4-BE49-F238E27FC236}">
-                <a16:creationId xmlns:a16="http://schemas.microsoft.com/office/drawing/2014/main" xmlns="" id="{4A135977-035D-46B4-BE1D-49E5E6E81441}"/>
+                <a16:creationId xmlns:a16="http://schemas.microsoft.com/office/drawing/2014/main" id="{4A135977-035D-46B4-BE1D-49E5E6E81441}"/>
               </a:ext>
             </a:extLst>
           </p:cNvPr>
@@ -7442,7 +8560,7 @@
               <p:cNvPr id="15" name="TextBox 14">
                 <a:extLst>
                   <a:ext uri="{FF2B5EF4-FFF2-40B4-BE49-F238E27FC236}">
-                    <a16:creationId xmlns:a16="http://schemas.microsoft.com/office/drawing/2014/main" xmlns="" id="{EFA5A58B-5E85-4018-9FE5-BBCB03FF9FA2}"/>
+                    <a16:creationId xmlns:a16="http://schemas.microsoft.com/office/drawing/2014/main" id="{EFA5A58B-5E85-4018-9FE5-BBCB03FF9FA2}"/>
                   </a:ext>
                 </a:extLst>
               </p:cNvPr>
@@ -7649,10 +8767,6 @@
                     </m:oMath>
                   </m:oMathPara>
                 </a14:m>
-                <a:r>
-                  <a:rPr lang="en-US" altLang="ko-KR" dirty="0"/>
-                  <a:t/>
-                </a:r>
                 <a:br>
                   <a:rPr lang="en-US" altLang="ko-KR" dirty="0"/>
                 </a:br>
@@ -8083,7 +9197,7 @@
           <p:cNvPr id="16" name="TextBox 15">
             <a:extLst>
               <a:ext uri="{FF2B5EF4-FFF2-40B4-BE49-F238E27FC236}">
-                <a16:creationId xmlns:a16="http://schemas.microsoft.com/office/drawing/2014/main" xmlns="" id="{9AFC7208-1B1D-4D9E-B5D4-55576ED73CC5}"/>
+                <a16:creationId xmlns:a16="http://schemas.microsoft.com/office/drawing/2014/main" id="{9AFC7208-1B1D-4D9E-B5D4-55576ED73CC5}"/>
               </a:ext>
             </a:extLst>
           </p:cNvPr>
@@ -8119,7 +9233,7 @@
           <p:cNvPr id="17" name="화살표: 오른쪽 16">
             <a:extLst>
               <a:ext uri="{FF2B5EF4-FFF2-40B4-BE49-F238E27FC236}">
-                <a16:creationId xmlns:a16="http://schemas.microsoft.com/office/drawing/2014/main" xmlns="" id="{890E5D2B-0912-4FA1-9053-234F3BE2F25D}"/>
+                <a16:creationId xmlns:a16="http://schemas.microsoft.com/office/drawing/2014/main" id="{890E5D2B-0912-4FA1-9053-234F3BE2F25D}"/>
               </a:ext>
             </a:extLst>
           </p:cNvPr>
@@ -8195,95 +9309,10 @@
       </p:grpSpPr>
       <p:sp>
         <p:nvSpPr>
-          <p:cNvPr id="2" name="제목 1"/>
-          <p:cNvSpPr>
-            <a:spLocks noGrp="1"/>
-          </p:cNvSpPr>
-          <p:nvPr>
-            <p:ph type="title"/>
-          </p:nvPr>
-        </p:nvSpPr>
-        <p:spPr/>
-        <p:txBody>
-          <a:bodyPr>
-            <a:normAutofit fontScale="90000"/>
-          </a:bodyPr>
-          <a:lstStyle/>
-          <a:p>
-            <a:r>
-              <a:rPr lang="en-US" altLang="ko-KR" dirty="0" smtClean="0"/>
-              <a:t>Filtering</a:t>
-            </a:r>
-            <a:endParaRPr lang="ko-KR" altLang="en-US" dirty="0"/>
-          </a:p>
-        </p:txBody>
-      </p:sp>
-      <p:pic>
-        <p:nvPicPr>
-          <p:cNvPr id="4" name="그림 3"/>
-          <p:cNvPicPr>
-            <a:picLocks noChangeAspect="1"/>
-          </p:cNvPicPr>
-          <p:nvPr/>
-        </p:nvPicPr>
-        <p:blipFill>
-          <a:blip r:embed="rId2">
-            <a:extLst>
-              <a:ext uri="{28A0092B-C50C-407E-A947-70E740481C1C}">
-                <a14:useLocalDpi xmlns:a14="http://schemas.microsoft.com/office/drawing/2010/main" val="0"/>
-              </a:ext>
-            </a:extLst>
-          </a:blip>
-          <a:stretch>
-            <a:fillRect/>
-          </a:stretch>
-        </p:blipFill>
-        <p:spPr>
-          <a:xfrm>
-            <a:off x="2133600" y="990600"/>
-            <a:ext cx="4876800" cy="4876800"/>
-          </a:xfrm>
-          <a:prstGeom prst="rect">
-            <a:avLst/>
-          </a:prstGeom>
-        </p:spPr>
-      </p:pic>
-    </p:spTree>
-    <p:extLst>
-      <p:ext uri="{BB962C8B-B14F-4D97-AF65-F5344CB8AC3E}">
-        <p14:creationId xmlns:p14="http://schemas.microsoft.com/office/powerpoint/2010/main" val="2194961202"/>
-      </p:ext>
-    </p:extLst>
-  </p:cSld>
-  <p:clrMapOvr>
-    <a:masterClrMapping/>
-  </p:clrMapOvr>
-</p:sld>
-</file>
-
-<file path=ppt/slides/slide4.xml><?xml version="1.0" encoding="utf-8"?>
-<p:sld xmlns:a="http://schemas.openxmlformats.org/drawingml/2006/main" xmlns:r="http://schemas.openxmlformats.org/officeDocument/2006/relationships" xmlns:p="http://schemas.openxmlformats.org/presentationml/2006/main">
-  <p:cSld>
-    <p:spTree>
-      <p:nvGrpSpPr>
-        <p:cNvPr id="1" name=""/>
-        <p:cNvGrpSpPr/>
-        <p:nvPr/>
-      </p:nvGrpSpPr>
-      <p:grpSpPr>
-        <a:xfrm>
-          <a:off x="0" y="0"/>
-          <a:ext cx="0" cy="0"/>
-          <a:chOff x="0" y="0"/>
-          <a:chExt cx="0" cy="0"/>
-        </a:xfrm>
-      </p:grpSpPr>
-      <p:sp>
-        <p:nvSpPr>
           <p:cNvPr id="2" name="제목 1">
             <a:extLst>
               <a:ext uri="{FF2B5EF4-FFF2-40B4-BE49-F238E27FC236}">
-                <a16:creationId xmlns:a16="http://schemas.microsoft.com/office/drawing/2014/main" xmlns="" id="{32A4EF47-FCCA-4723-AF28-1B2DE76CE7E9}"/>
+                <a16:creationId xmlns:a16="http://schemas.microsoft.com/office/drawing/2014/main" id="{32A4EF47-FCCA-4723-AF28-1B2DE76CE7E9}"/>
               </a:ext>
             </a:extLst>
           </p:cNvPr>
@@ -8302,7 +9331,7 @@
           <a:lstStyle/>
           <a:p>
             <a:r>
-              <a:rPr lang="en-US" altLang="ko-KR" dirty="0" smtClean="0"/>
+              <a:rPr lang="en-US" altLang="ko-KR" dirty="0"/>
               <a:t>Filtering</a:t>
             </a:r>
             <a:endParaRPr lang="ko-KR" altLang="en-US" dirty="0"/>
@@ -8314,7 +9343,7 @@
           <p:cNvPr id="3" name="내용 개체 틀 2">
             <a:extLst>
               <a:ext uri="{FF2B5EF4-FFF2-40B4-BE49-F238E27FC236}">
-                <a16:creationId xmlns:a16="http://schemas.microsoft.com/office/drawing/2014/main" xmlns="" id="{25774E92-9B95-4123-B29D-F5E0D6956FCA}"/>
+                <a16:creationId xmlns:a16="http://schemas.microsoft.com/office/drawing/2014/main" id="{25774E92-9B95-4123-B29D-F5E0D6956FCA}"/>
               </a:ext>
             </a:extLst>
           </p:cNvPr>
@@ -8350,6 +9379,9 @@
             <a:endParaRPr lang="en-US" altLang="ko-KR" sz="2000" dirty="0"/>
           </a:p>
           <a:p>
+            <a:endParaRPr lang="en-US" altLang="ko-KR" sz="100" dirty="0"/>
+          </a:p>
+          <a:p>
             <a:r>
               <a:rPr lang="en-US" altLang="ko-KR" sz="2000" dirty="0"/>
               <a:t>Variance of kernel</a:t>
@@ -8362,7 +9394,7 @@
           <p:cNvPr id="8" name="그룹 7">
             <a:extLst>
               <a:ext uri="{FF2B5EF4-FFF2-40B4-BE49-F238E27FC236}">
-                <a16:creationId xmlns:a16="http://schemas.microsoft.com/office/drawing/2014/main" xmlns="" id="{18DF07D2-6231-4D72-87A2-35156F07063C}"/>
+                <a16:creationId xmlns:a16="http://schemas.microsoft.com/office/drawing/2014/main" id="{18DF07D2-6231-4D72-87A2-35156F07063C}"/>
               </a:ext>
             </a:extLst>
           </p:cNvPr>
@@ -8371,7 +9403,7 @@
         </p:nvGrpSpPr>
         <p:grpSpPr>
           <a:xfrm>
-            <a:off x="557098" y="1684902"/>
+            <a:off x="557098" y="1733762"/>
             <a:ext cx="2402622" cy="2033044"/>
             <a:chOff x="557097" y="1684902"/>
             <a:chExt cx="2466609" cy="2087188"/>
@@ -8382,7 +9414,7 @@
             <p:cNvPr id="22" name="Picture 6">
               <a:extLst>
                 <a:ext uri="{FF2B5EF4-FFF2-40B4-BE49-F238E27FC236}">
-                  <a16:creationId xmlns:a16="http://schemas.microsoft.com/office/drawing/2014/main" xmlns="" id="{42A0C729-16B1-41E6-91E5-9A3B8217697D}"/>
+                  <a16:creationId xmlns:a16="http://schemas.microsoft.com/office/drawing/2014/main" id="{42A0C729-16B1-41E6-91E5-9A3B8217697D}"/>
                 </a:ext>
               </a:extLst>
             </p:cNvPr>
@@ -8420,7 +9452,7 @@
                 <p:cNvPr id="23" name="TextBox 22">
                   <a:extLst>
                     <a:ext uri="{FF2B5EF4-FFF2-40B4-BE49-F238E27FC236}">
-                      <a16:creationId xmlns:a16="http://schemas.microsoft.com/office/drawing/2014/main" xmlns="" id="{5AA3F5EE-5119-4788-9E3C-A2B64E0C0505}"/>
+                      <a16:creationId xmlns:a16="http://schemas.microsoft.com/office/drawing/2014/main" id="{5AA3F5EE-5119-4788-9E3C-A2B64E0C0505}"/>
                     </a:ext>
                   </a:extLst>
                 </p:cNvPr>
@@ -8542,7 +9574,7 @@
           <p:cNvPr id="9" name="그룹 8">
             <a:extLst>
               <a:ext uri="{FF2B5EF4-FFF2-40B4-BE49-F238E27FC236}">
-                <a16:creationId xmlns:a16="http://schemas.microsoft.com/office/drawing/2014/main" xmlns="" id="{5B4B90DB-9817-41E8-9BDA-48BDFE3C5847}"/>
+                <a16:creationId xmlns:a16="http://schemas.microsoft.com/office/drawing/2014/main" id="{5B4B90DB-9817-41E8-9BDA-48BDFE3C5847}"/>
               </a:ext>
             </a:extLst>
           </p:cNvPr>
@@ -8551,7 +9583,7 @@
         </p:nvGrpSpPr>
         <p:grpSpPr>
           <a:xfrm>
-            <a:off x="555487" y="4143516"/>
+            <a:off x="555487" y="4325002"/>
             <a:ext cx="2427724" cy="1793344"/>
             <a:chOff x="555486" y="4143516"/>
             <a:chExt cx="2492379" cy="1841104"/>
@@ -8562,7 +9594,7 @@
             <p:cNvPr id="7" name="그룹 6">
               <a:extLst>
                 <a:ext uri="{FF2B5EF4-FFF2-40B4-BE49-F238E27FC236}">
-                  <a16:creationId xmlns:a16="http://schemas.microsoft.com/office/drawing/2014/main" xmlns="" id="{5A20B621-E317-4984-9538-E1A0C28AD52C}"/>
+                  <a16:creationId xmlns:a16="http://schemas.microsoft.com/office/drawing/2014/main" id="{5A20B621-E317-4984-9538-E1A0C28AD52C}"/>
                 </a:ext>
               </a:extLst>
             </p:cNvPr>
@@ -8582,7 +9614,7 @@
               <p:cNvPr id="26" name="Picture 11" descr="gauss_sigma2_hsize30.jpg">
                 <a:extLst>
                   <a:ext uri="{FF2B5EF4-FFF2-40B4-BE49-F238E27FC236}">
-                    <a16:creationId xmlns:a16="http://schemas.microsoft.com/office/drawing/2014/main" xmlns="" id="{681E7DD9-580B-4EA3-96E7-350E01BA63DF}"/>
+                    <a16:creationId xmlns:a16="http://schemas.microsoft.com/office/drawing/2014/main" id="{681E7DD9-580B-4EA3-96E7-350E01BA63DF}"/>
                   </a:ext>
                 </a:extLst>
               </p:cNvPr>
@@ -8620,7 +9652,7 @@
               <p:cNvPr id="29" name="Picture 16" descr="gauss_sigma2_hsize30_2d.jpg">
                 <a:extLst>
                   <a:ext uri="{FF2B5EF4-FFF2-40B4-BE49-F238E27FC236}">
-                    <a16:creationId xmlns:a16="http://schemas.microsoft.com/office/drawing/2014/main" xmlns="" id="{77B19591-1921-4E58-93EA-67D9944D94B2}"/>
+                    <a16:creationId xmlns:a16="http://schemas.microsoft.com/office/drawing/2014/main" id="{77B19591-1921-4E58-93EA-67D9944D94B2}"/>
                   </a:ext>
                 </a:extLst>
               </p:cNvPr>
@@ -8661,7 +9693,7 @@
                 <p:cNvPr id="30" name="TextBox 29">
                   <a:extLst>
                     <a:ext uri="{FF2B5EF4-FFF2-40B4-BE49-F238E27FC236}">
-                      <a16:creationId xmlns:a16="http://schemas.microsoft.com/office/drawing/2014/main" xmlns="" id="{F0FB493E-9658-4274-854A-4B84466B610F}"/>
+                      <a16:creationId xmlns:a16="http://schemas.microsoft.com/office/drawing/2014/main" id="{F0FB493E-9658-4274-854A-4B84466B610F}"/>
                     </a:ext>
                   </a:extLst>
                 </p:cNvPr>
@@ -8783,7 +9815,7 @@
           <p:cNvPr id="10" name="그룹 9">
             <a:extLst>
               <a:ext uri="{FF2B5EF4-FFF2-40B4-BE49-F238E27FC236}">
-                <a16:creationId xmlns:a16="http://schemas.microsoft.com/office/drawing/2014/main" xmlns="" id="{6E458BA1-A9DE-4CEA-8FA4-5839C3CF4FFA}"/>
+                <a16:creationId xmlns:a16="http://schemas.microsoft.com/office/drawing/2014/main" id="{6E458BA1-A9DE-4CEA-8FA4-5839C3CF4FFA}"/>
               </a:ext>
             </a:extLst>
           </p:cNvPr>
@@ -8792,7 +9824,7 @@
         </p:nvGrpSpPr>
         <p:grpSpPr>
           <a:xfrm>
-            <a:off x="3758167" y="4172044"/>
+            <a:off x="3758167" y="4353530"/>
             <a:ext cx="2402623" cy="1762352"/>
             <a:chOff x="4215377" y="4172043"/>
             <a:chExt cx="2466610" cy="1809287"/>
@@ -8803,7 +9835,7 @@
             <p:cNvPr id="27" name="Picture 14" descr="gauss_sigma5_hsize30.jpg">
               <a:extLst>
                 <a:ext uri="{FF2B5EF4-FFF2-40B4-BE49-F238E27FC236}">
-                  <a16:creationId xmlns:a16="http://schemas.microsoft.com/office/drawing/2014/main" xmlns="" id="{7558968B-8EDA-4FB0-A00A-56A825CB8A22}"/>
+                  <a16:creationId xmlns:a16="http://schemas.microsoft.com/office/drawing/2014/main" id="{7558968B-8EDA-4FB0-A00A-56A825CB8A22}"/>
                 </a:ext>
               </a:extLst>
             </p:cNvPr>
@@ -8841,7 +9873,7 @@
             <p:cNvPr id="28" name="Picture 15" descr="gauss_sigma5_hsize30_2d.jpg">
               <a:extLst>
                 <a:ext uri="{FF2B5EF4-FFF2-40B4-BE49-F238E27FC236}">
-                  <a16:creationId xmlns:a16="http://schemas.microsoft.com/office/drawing/2014/main" xmlns="" id="{83302537-E580-4800-ADF9-659ACB738C71}"/>
+                  <a16:creationId xmlns:a16="http://schemas.microsoft.com/office/drawing/2014/main" id="{83302537-E580-4800-ADF9-659ACB738C71}"/>
                 </a:ext>
               </a:extLst>
             </p:cNvPr>
@@ -8881,7 +9913,7 @@
                 <p:cNvPr id="31" name="TextBox 30">
                   <a:extLst>
                     <a:ext uri="{FF2B5EF4-FFF2-40B4-BE49-F238E27FC236}">
-                      <a16:creationId xmlns:a16="http://schemas.microsoft.com/office/drawing/2014/main" xmlns="" id="{DE6A802E-2A2A-4B4B-A350-4309DAF43131}"/>
+                      <a16:creationId xmlns:a16="http://schemas.microsoft.com/office/drawing/2014/main" id="{DE6A802E-2A2A-4B4B-A350-4309DAF43131}"/>
                     </a:ext>
                   </a:extLst>
                 </p:cNvPr>
@@ -9003,7 +10035,7 @@
           <p:cNvPr id="11" name="그룹 10">
             <a:extLst>
               <a:ext uri="{FF2B5EF4-FFF2-40B4-BE49-F238E27FC236}">
-                <a16:creationId xmlns:a16="http://schemas.microsoft.com/office/drawing/2014/main" xmlns="" id="{93E24DB7-A943-4B3C-BB25-4EC9F972624D}"/>
+                <a16:creationId xmlns:a16="http://schemas.microsoft.com/office/drawing/2014/main" id="{93E24DB7-A943-4B3C-BB25-4EC9F972624D}"/>
               </a:ext>
             </a:extLst>
           </p:cNvPr>
@@ -9012,7 +10044,7 @@
         </p:nvGrpSpPr>
         <p:grpSpPr>
           <a:xfrm>
-            <a:off x="3758169" y="1684902"/>
+            <a:off x="3758169" y="1733762"/>
             <a:ext cx="2402622" cy="2033044"/>
             <a:chOff x="4215378" y="1684902"/>
             <a:chExt cx="2466609" cy="2087188"/>
@@ -9025,7 +10057,7 @@
                 <p:cNvPr id="24" name="TextBox 23">
                   <a:extLst>
                     <a:ext uri="{FF2B5EF4-FFF2-40B4-BE49-F238E27FC236}">
-                      <a16:creationId xmlns:a16="http://schemas.microsoft.com/office/drawing/2014/main" xmlns="" id="{33B57BF4-2829-48D3-9F89-001B91B91707}"/>
+                      <a16:creationId xmlns:a16="http://schemas.microsoft.com/office/drawing/2014/main" id="{33B57BF4-2829-48D3-9F89-001B91B91707}"/>
                     </a:ext>
                   </a:extLst>
                 </p:cNvPr>
@@ -9146,7 +10178,7 @@
             <p:cNvPr id="32" name="Picture 6">
               <a:extLst>
                 <a:ext uri="{FF2B5EF4-FFF2-40B4-BE49-F238E27FC236}">
-                  <a16:creationId xmlns:a16="http://schemas.microsoft.com/office/drawing/2014/main" xmlns="" id="{5AD34A33-FBC0-4D6F-8AAC-64DDC163A49E}"/>
+                  <a16:creationId xmlns:a16="http://schemas.microsoft.com/office/drawing/2014/main" id="{5AD34A33-FBC0-4D6F-8AAC-64DDC163A49E}"/>
                 </a:ext>
               </a:extLst>
             </p:cNvPr>
@@ -9191,6 +10223,119 @@
 </p:sld>
 </file>
 
+<file path=ppt/slides/slide4.xml><?xml version="1.0" encoding="utf-8"?>
+<p:sld xmlns:a="http://schemas.openxmlformats.org/drawingml/2006/main" xmlns:r="http://schemas.openxmlformats.org/officeDocument/2006/relationships" xmlns:p="http://schemas.openxmlformats.org/presentationml/2006/main">
+  <p:cSld>
+    <p:spTree>
+      <p:nvGrpSpPr>
+        <p:cNvPr id="1" name=""/>
+        <p:cNvGrpSpPr/>
+        <p:nvPr/>
+      </p:nvGrpSpPr>
+      <p:grpSpPr>
+        <a:xfrm>
+          <a:off x="0" y="0"/>
+          <a:ext cx="0" cy="0"/>
+          <a:chOff x="0" y="0"/>
+          <a:chExt cx="0" cy="0"/>
+        </a:xfrm>
+      </p:grpSpPr>
+      <p:sp>
+        <p:nvSpPr>
+          <p:cNvPr id="2" name="제목 1"/>
+          <p:cNvSpPr>
+            <a:spLocks noGrp="1"/>
+          </p:cNvSpPr>
+          <p:nvPr>
+            <p:ph type="title"/>
+          </p:nvPr>
+        </p:nvSpPr>
+        <p:spPr/>
+        <p:txBody>
+          <a:bodyPr>
+            <a:normAutofit fontScale="90000"/>
+          </a:bodyPr>
+          <a:lstStyle/>
+          <a:p>
+            <a:r>
+              <a:rPr lang="en-US" altLang="ko-KR" dirty="0"/>
+              <a:t>Filtering</a:t>
+            </a:r>
+            <a:endParaRPr lang="ko-KR" altLang="en-US" dirty="0"/>
+          </a:p>
+        </p:txBody>
+      </p:sp>
+      <p:sp>
+        <p:nvSpPr>
+          <p:cNvPr id="3" name="내용 개체 틀 2"/>
+          <p:cNvSpPr>
+            <a:spLocks noGrp="1"/>
+          </p:cNvSpPr>
+          <p:nvPr>
+            <p:ph idx="1"/>
+          </p:nvPr>
+        </p:nvSpPr>
+        <p:spPr/>
+        <p:txBody>
+          <a:bodyPr/>
+          <a:lstStyle/>
+          <a:p>
+            <a:r>
+              <a:rPr lang="en-US" altLang="ko-KR" sz="2000" dirty="0"/>
+              <a:t>Gaussian Kernel Calculation</a:t>
+            </a:r>
+          </a:p>
+          <a:p>
+            <a:endParaRPr lang="en-US" altLang="ko-KR" sz="2000" dirty="0"/>
+          </a:p>
+          <a:p>
+            <a:endParaRPr lang="en-US" altLang="ko-KR" sz="2000" dirty="0"/>
+          </a:p>
+        </p:txBody>
+      </p:sp>
+      <p:pic>
+        <p:nvPicPr>
+          <p:cNvPr id="7" name="그림 6">
+            <a:extLst>
+              <a:ext uri="{FF2B5EF4-FFF2-40B4-BE49-F238E27FC236}">
+                <a16:creationId xmlns:a16="http://schemas.microsoft.com/office/drawing/2014/main" id="{E67C5D99-838E-3BA0-D8C6-CCF2B0D509A8}"/>
+              </a:ext>
+            </a:extLst>
+          </p:cNvPr>
+          <p:cNvPicPr>
+            <a:picLocks noChangeAspect="1"/>
+          </p:cNvPicPr>
+          <p:nvPr/>
+        </p:nvPicPr>
+        <p:blipFill>
+          <a:blip r:embed="rId2"/>
+          <a:stretch>
+            <a:fillRect/>
+          </a:stretch>
+        </p:blipFill>
+        <p:spPr>
+          <a:xfrm>
+            <a:off x="914289" y="2338659"/>
+            <a:ext cx="7315421" cy="2421805"/>
+          </a:xfrm>
+          <a:prstGeom prst="rect">
+            <a:avLst/>
+          </a:prstGeom>
+        </p:spPr>
+      </p:pic>
+    </p:spTree>
+    <p:extLst>
+      <p:ext uri="{BB962C8B-B14F-4D97-AF65-F5344CB8AC3E}">
+        <p14:creationId xmlns:p14="http://schemas.microsoft.com/office/powerpoint/2010/main" val="266104008"/>
+      </p:ext>
+    </p:extLst>
+  </p:cSld>
+  <p:clrMapOvr>
+    <a:masterClrMapping/>
+  </p:clrMapOvr>
+</p:sld>
+</file>
+
 <file path=ppt/slides/slide5.xml><?xml version="1.0" encoding="utf-8"?>
 <p:sld xmlns:a="http://schemas.openxmlformats.org/drawingml/2006/main" xmlns:r="http://schemas.openxmlformats.org/officeDocument/2006/relationships" xmlns:p="http://schemas.openxmlformats.org/presentationml/2006/main">
   <p:cSld>
@@ -9226,7 +10371,7 @@
           <a:lstStyle/>
           <a:p>
             <a:r>
-              <a:rPr lang="en-US" altLang="ko-KR" dirty="0" smtClean="0"/>
+              <a:rPr lang="en-US" altLang="ko-KR" dirty="0"/>
               <a:t>Filtering</a:t>
             </a:r>
             <a:endParaRPr lang="ko-KR" altLang="en-US" dirty="0"/>
@@ -9249,36 +10394,51 @@
           <a:lstStyle/>
           <a:p>
             <a:r>
-              <a:rPr lang="en-US" altLang="ko-KR" dirty="0" smtClean="0"/>
-              <a:t>Gaussian filtering – kernel size fixed, sigma = 1,3,5</a:t>
-            </a:r>
-            <a:endParaRPr lang="ko-KR" altLang="en-US" dirty="0"/>
+              <a:rPr lang="en-US" altLang="ko-KR" sz="2000" dirty="0"/>
+              <a:t>Convolution</a:t>
+            </a:r>
+          </a:p>
+          <a:p>
+            <a:endParaRPr lang="en-US" altLang="ko-KR" sz="2000" dirty="0"/>
+          </a:p>
+          <a:p>
+            <a:endParaRPr lang="en-US" altLang="ko-KR" sz="2000" dirty="0"/>
+          </a:p>
+          <a:p>
+            <a:endParaRPr lang="en-US" altLang="ko-KR" sz="2000" dirty="0"/>
+          </a:p>
+          <a:p>
+            <a:endParaRPr lang="en-US" altLang="ko-KR" sz="2000" dirty="0"/>
+          </a:p>
+          <a:p>
+            <a:endParaRPr lang="ko-KR" altLang="en-US" sz="2000" dirty="0"/>
           </a:p>
         </p:txBody>
       </p:sp>
       <p:pic>
         <p:nvPicPr>
-          <p:cNvPr id="4" name="그림 3"/>
+          <p:cNvPr id="5" name="그림 4">
+            <a:extLst>
+              <a:ext uri="{FF2B5EF4-FFF2-40B4-BE49-F238E27FC236}">
+                <a16:creationId xmlns:a16="http://schemas.microsoft.com/office/drawing/2014/main" id="{02E4B624-B9F1-892B-D0B1-CD09F73F4066}"/>
+              </a:ext>
+            </a:extLst>
+          </p:cNvPr>
           <p:cNvPicPr>
             <a:picLocks noChangeAspect="1"/>
           </p:cNvPicPr>
           <p:nvPr/>
         </p:nvPicPr>
-        <p:blipFill rotWithShape="1">
-          <a:blip r:embed="rId2">
-            <a:extLst>
-              <a:ext uri="{28A0092B-C50C-407E-A947-70E740481C1C}">
-                <a14:useLocalDpi xmlns:a14="http://schemas.microsoft.com/office/drawing/2010/main" val="0"/>
-              </a:ext>
-            </a:extLst>
-          </a:blip>
-          <a:srcRect t="8832" b="7502"/>
-          <a:stretch/>
+        <p:blipFill>
+          <a:blip r:embed="rId2"/>
+          <a:stretch>
+            <a:fillRect/>
+          </a:stretch>
         </p:blipFill>
         <p:spPr>
           <a:xfrm>
-            <a:off x="1650895" y="1752934"/>
-            <a:ext cx="5852172" cy="3641628"/>
+            <a:off x="901511" y="1897920"/>
+            <a:ext cx="7340977" cy="4807197"/>
           </a:xfrm>
           <a:prstGeom prst="rect">
             <a:avLst/>
@@ -9288,7 +10448,7 @@
     </p:spTree>
     <p:extLst>
       <p:ext uri="{BB962C8B-B14F-4D97-AF65-F5344CB8AC3E}">
-        <p14:creationId xmlns:p14="http://schemas.microsoft.com/office/powerpoint/2010/main" val="2297249304"/>
+        <p14:creationId xmlns:p14="http://schemas.microsoft.com/office/powerpoint/2010/main" val="3924395411"/>
       </p:ext>
     </p:extLst>
   </p:cSld>
@@ -9333,7 +10493,7 @@
           <a:lstStyle/>
           <a:p>
             <a:r>
-              <a:rPr lang="en-US" altLang="ko-KR" dirty="0" smtClean="0"/>
+              <a:rPr lang="en-US" altLang="ko-KR" dirty="0"/>
               <a:t>Filtering</a:t>
             </a:r>
             <a:endParaRPr lang="ko-KR" altLang="en-US" dirty="0"/>
@@ -9356,16 +10516,22 @@
           <a:lstStyle/>
           <a:p>
             <a:r>
-              <a:rPr lang="en-US" altLang="ko-KR" dirty="0" smtClean="0"/>
-              <a:t>Main flow</a:t>
-            </a:r>
-            <a:endParaRPr lang="ko-KR" altLang="en-US" dirty="0"/>
+              <a:rPr lang="en-US" altLang="ko-KR" sz="2000" dirty="0"/>
+              <a:t>Gaussian filtering – kernel size fixed, sigma = 1,3,5</a:t>
+            </a:r>
+            <a:endParaRPr lang="ko-KR" altLang="en-US" sz="2000" dirty="0"/>
           </a:p>
         </p:txBody>
       </p:sp>
       <p:pic>
         <p:nvPicPr>
-          <p:cNvPr id="6" name="그림 5"/>
+          <p:cNvPr id="10" name="그림 9">
+            <a:extLst>
+              <a:ext uri="{FF2B5EF4-FFF2-40B4-BE49-F238E27FC236}">
+                <a16:creationId xmlns:a16="http://schemas.microsoft.com/office/drawing/2014/main" id="{2975FB9C-F4CB-C6EE-3039-F8FE1AA6AB6D}"/>
+              </a:ext>
+            </a:extLst>
+          </p:cNvPr>
           <p:cNvPicPr>
             <a:picLocks noChangeAspect="1"/>
           </p:cNvPicPr>
@@ -9379,8 +10545,8 @@
         </p:blipFill>
         <p:spPr>
           <a:xfrm>
-            <a:off x="2341582" y="1896682"/>
-            <a:ext cx="4470797" cy="3986420"/>
+            <a:off x="1971744" y="2029490"/>
+            <a:ext cx="5200511" cy="4730787"/>
           </a:xfrm>
           <a:prstGeom prst="rect">
             <a:avLst/>
@@ -9390,7 +10556,7 @@
     </p:spTree>
     <p:extLst>
       <p:ext uri="{BB962C8B-B14F-4D97-AF65-F5344CB8AC3E}">
-        <p14:creationId xmlns:p14="http://schemas.microsoft.com/office/powerpoint/2010/main" val="2331633807"/>
+        <p14:creationId xmlns:p14="http://schemas.microsoft.com/office/powerpoint/2010/main" val="2297249304"/>
       </p:ext>
     </p:extLst>
   </p:cSld>
@@ -9435,7 +10601,7 @@
           <a:lstStyle/>
           <a:p>
             <a:r>
-              <a:rPr lang="en-US" altLang="ko-KR" dirty="0" smtClean="0"/>
+              <a:rPr lang="en-US" altLang="ko-KR" dirty="0"/>
               <a:t>Filtering</a:t>
             </a:r>
             <a:endParaRPr lang="ko-KR" altLang="en-US" dirty="0"/>
@@ -9458,33 +10624,22 @@
           <a:lstStyle/>
           <a:p>
             <a:r>
-              <a:rPr lang="en-US" altLang="ko-KR" dirty="0" smtClean="0"/>
-              <a:t>Gaussian Kernel Calculation</a:t>
-            </a:r>
-          </a:p>
-          <a:p>
-            <a:endParaRPr lang="en-US" altLang="ko-KR" dirty="0"/>
-          </a:p>
-          <a:p>
-            <a:endParaRPr lang="en-US" altLang="ko-KR" dirty="0" smtClean="0"/>
-          </a:p>
-          <a:p>
-            <a:endParaRPr lang="en-US" altLang="ko-KR" dirty="0"/>
-          </a:p>
-          <a:p>
-            <a:r>
-              <a:rPr lang="en-US" altLang="ko-KR" dirty="0" smtClean="0"/>
-              <a:t>Convolution</a:t>
-            </a:r>
-          </a:p>
-          <a:p>
-            <a:endParaRPr lang="ko-KR" altLang="en-US" dirty="0"/>
+              <a:rPr lang="en-US" altLang="ko-KR" sz="2000" dirty="0"/>
+              <a:t>Gaussian filtering – kernel size fixed, sigma = 1,3,5</a:t>
+            </a:r>
+            <a:endParaRPr lang="ko-KR" altLang="en-US" sz="2000" dirty="0"/>
           </a:p>
         </p:txBody>
       </p:sp>
       <p:pic>
         <p:nvPicPr>
-          <p:cNvPr id="4" name="그림 3"/>
+          <p:cNvPr id="8" name="그림 7">
+            <a:extLst>
+              <a:ext uri="{FF2B5EF4-FFF2-40B4-BE49-F238E27FC236}">
+                <a16:creationId xmlns:a16="http://schemas.microsoft.com/office/drawing/2014/main" id="{35447E91-081A-828E-04F7-547BC7228B67}"/>
+              </a:ext>
+            </a:extLst>
+          </p:cNvPr>
           <p:cNvPicPr>
             <a:picLocks noChangeAspect="1"/>
           </p:cNvPicPr>
@@ -9498,32 +10653,8 @@
         </p:blipFill>
         <p:spPr>
           <a:xfrm>
-            <a:off x="912586" y="1705017"/>
-            <a:ext cx="4368681" cy="878816"/>
-          </a:xfrm>
-          <a:prstGeom prst="rect">
-            <a:avLst/>
-          </a:prstGeom>
-        </p:spPr>
-      </p:pic>
-      <p:pic>
-        <p:nvPicPr>
-          <p:cNvPr id="6" name="그림 5"/>
-          <p:cNvPicPr>
-            <a:picLocks noChangeAspect="1"/>
-          </p:cNvPicPr>
-          <p:nvPr/>
-        </p:nvPicPr>
-        <p:blipFill>
-          <a:blip r:embed="rId3"/>
-          <a:stretch>
-            <a:fillRect/>
-          </a:stretch>
-        </p:blipFill>
-        <p:spPr>
-          <a:xfrm>
-            <a:off x="912586" y="3256806"/>
-            <a:ext cx="7328789" cy="2278238"/>
+            <a:off x="662838" y="2268266"/>
+            <a:ext cx="7818323" cy="4064810"/>
           </a:xfrm>
           <a:prstGeom prst="rect">
             <a:avLst/>
@@ -9533,7 +10664,7 @@
     </p:spTree>
     <p:extLst>
       <p:ext uri="{BB962C8B-B14F-4D97-AF65-F5344CB8AC3E}">
-        <p14:creationId xmlns:p14="http://schemas.microsoft.com/office/powerpoint/2010/main" val="266104008"/>
+        <p14:creationId xmlns:p14="http://schemas.microsoft.com/office/powerpoint/2010/main" val="3560798258"/>
       </p:ext>
     </p:extLst>
   </p:cSld>
@@ -9578,7 +10709,7 @@
           <a:lstStyle/>
           <a:p>
             <a:r>
-              <a:rPr lang="en-US" altLang="ko-KR" dirty="0" smtClean="0"/>
+              <a:rPr lang="en-US" altLang="ko-KR" dirty="0"/>
               <a:t>Filtering</a:t>
             </a:r>
             <a:endParaRPr lang="ko-KR" altLang="en-US" dirty="0"/>
@@ -9601,36 +10732,37 @@
           <a:lstStyle/>
           <a:p>
             <a:r>
-              <a:rPr lang="en-US" altLang="ko-KR" dirty="0" smtClean="0"/>
-              <a:t>Gaussian filtering2 – sigma fixed, Kernel Size = 5, 9, 13</a:t>
-            </a:r>
-            <a:endParaRPr lang="ko-KR" altLang="en-US" dirty="0"/>
+              <a:rPr lang="en-US" altLang="ko-KR" sz="2000" dirty="0"/>
+              <a:t>Gaussian filtering – sigma fixed, Kernel Size = 5, 9, 13</a:t>
+            </a:r>
+            <a:endParaRPr lang="ko-KR" altLang="en-US" sz="2000" dirty="0"/>
           </a:p>
         </p:txBody>
       </p:sp>
       <p:pic>
         <p:nvPicPr>
-          <p:cNvPr id="5" name="그림 4"/>
+          <p:cNvPr id="8" name="그림 7">
+            <a:extLst>
+              <a:ext uri="{FF2B5EF4-FFF2-40B4-BE49-F238E27FC236}">
+                <a16:creationId xmlns:a16="http://schemas.microsoft.com/office/drawing/2014/main" id="{C4E8BCE0-3B24-3D88-8014-28B7181AA2CA}"/>
+              </a:ext>
+            </a:extLst>
+          </p:cNvPr>
           <p:cNvPicPr>
             <a:picLocks noChangeAspect="1"/>
           </p:cNvPicPr>
           <p:nvPr/>
         </p:nvPicPr>
-        <p:blipFill rotWithShape="1">
-          <a:blip r:embed="rId2">
-            <a:extLst>
-              <a:ext uri="{28A0092B-C50C-407E-A947-70E740481C1C}">
-                <a14:useLocalDpi xmlns:a14="http://schemas.microsoft.com/office/drawing/2010/main" val="0"/>
-              </a:ext>
-            </a:extLst>
-          </a:blip>
-          <a:srcRect t="8740" b="7777"/>
-          <a:stretch/>
+        <p:blipFill>
+          <a:blip r:embed="rId2"/>
+          <a:stretch>
+            <a:fillRect/>
+          </a:stretch>
         </p:blipFill>
         <p:spPr>
           <a:xfrm>
-            <a:off x="1650895" y="1764911"/>
-            <a:ext cx="5852172" cy="3633642"/>
+            <a:off x="2038384" y="1800298"/>
+            <a:ext cx="5067232" cy="4957194"/>
           </a:xfrm>
           <a:prstGeom prst="rect">
             <a:avLst/>
@@ -9685,7 +10817,7 @@
           <a:lstStyle/>
           <a:p>
             <a:r>
-              <a:rPr lang="en-US" altLang="ko-KR" dirty="0" smtClean="0"/>
+              <a:rPr lang="en-US" altLang="ko-KR" dirty="0"/>
               <a:t>Filtering</a:t>
             </a:r>
             <a:endParaRPr lang="ko-KR" altLang="en-US" dirty="0"/>
@@ -9708,16 +10840,22 @@
           <a:lstStyle/>
           <a:p>
             <a:r>
-              <a:rPr lang="en-US" altLang="ko-KR" dirty="0" smtClean="0"/>
-              <a:t>Main flow</a:t>
-            </a:r>
-            <a:endParaRPr lang="ko-KR" altLang="en-US" dirty="0"/>
+              <a:rPr lang="en-US" altLang="ko-KR" sz="2000" dirty="0"/>
+              <a:t>Gaussian filtering – sigma fixed, Kernel Size = 5, 9, 13</a:t>
+            </a:r>
+            <a:endParaRPr lang="ko-KR" altLang="en-US" sz="2000" dirty="0"/>
           </a:p>
         </p:txBody>
       </p:sp>
       <p:pic>
         <p:nvPicPr>
-          <p:cNvPr id="4" name="그림 3"/>
+          <p:cNvPr id="6" name="그림 5">
+            <a:extLst>
+              <a:ext uri="{FF2B5EF4-FFF2-40B4-BE49-F238E27FC236}">
+                <a16:creationId xmlns:a16="http://schemas.microsoft.com/office/drawing/2014/main" id="{A29D7443-C0D1-F977-14B3-43FEE998F7C9}"/>
+              </a:ext>
+            </a:extLst>
+          </p:cNvPr>
           <p:cNvPicPr>
             <a:picLocks noChangeAspect="1"/>
           </p:cNvPicPr>
@@ -9731,8 +10869,8 @@
         </p:blipFill>
         <p:spPr>
           <a:xfrm>
-            <a:off x="2272841" y="1724121"/>
-            <a:ext cx="4511290" cy="4173310"/>
+            <a:off x="752662" y="2196608"/>
+            <a:ext cx="7638676" cy="4058421"/>
           </a:xfrm>
           <a:prstGeom prst="rect">
             <a:avLst/>
@@ -9742,7 +10880,7 @@
     </p:spTree>
     <p:extLst>
       <p:ext uri="{BB962C8B-B14F-4D97-AF65-F5344CB8AC3E}">
-        <p14:creationId xmlns:p14="http://schemas.microsoft.com/office/powerpoint/2010/main" val="1913928944"/>
+        <p14:creationId xmlns:p14="http://schemas.microsoft.com/office/powerpoint/2010/main" val="1013579075"/>
       </p:ext>
     </p:extLst>
   </p:cSld>
